--- a/public/files/ppt-template.pptx
+++ b/public/files/ppt-template.pptx
@@ -236,7 +236,7 @@
           <a:p>
             <a:fld id="{442B695E-D1BC-455D-9D8B-4C85C2FA081B}" type="datetimeFigureOut">
               <a:rPr lang="en-IN" smtClean="0"/>
-              <a:t>12-04-2025</a:t>
+              <a:t>21-04-2025</a:t>
             </a:fld>
             <a:endParaRPr lang="en-IN"/>
           </a:p>
@@ -414,7 +414,7 @@
           <a:p>
             <a:fld id="{4FD264AA-9858-448D-AD69-FDF3FCD75912}" type="datetimeFigureOut">
               <a:rPr lang="en-IN" smtClean="0"/>
-              <a:t>12-04-2025</a:t>
+              <a:t>21-04-2025</a:t>
             </a:fld>
             <a:endParaRPr lang="en-IN"/>
           </a:p>
@@ -860,9 +860,9 @@
           <a:bodyPr/>
           <a:lstStyle/>
           <a:p>
-            <a:fld id="{086F68E7-4B17-4C39-AF35-A012D54AFA9B}" type="datetime1">
+            <a:fld id="{38BD5F51-5249-4DAE-A0D4-2A241C3FECD0}" type="datetime1">
               <a:rPr lang="en-US" smtClean="0"/>
-              <a:t>4/12/2025</a:t>
+              <a:t>4/21/2025</a:t>
             </a:fld>
             <a:endParaRPr lang="en-US"/>
           </a:p>
@@ -883,6 +883,10 @@
           <a:bodyPr/>
           <a:lstStyle/>
           <a:p>
+            <a:r>
+              <a:rPr lang="en-GB" smtClean="0"/>
+              <a:t>International Conference on Advances in Intelligent Computing and Communication Technology (AICCT), 2K25</a:t>
+            </a:r>
             <a:endParaRPr lang="en-US"/>
           </a:p>
         </p:txBody>
@@ -1024,9 +1028,9 @@
           <a:bodyPr/>
           <a:lstStyle/>
           <a:p>
-            <a:fld id="{3F50AFD0-5039-4161-8300-E967EDF447B3}" type="datetime1">
+            <a:fld id="{CBEBF277-7C43-40E4-B811-1C71B42305FD}" type="datetime1">
               <a:rPr lang="en-US" smtClean="0"/>
-              <a:t>4/12/2025</a:t>
+              <a:t>4/21/2025</a:t>
             </a:fld>
             <a:endParaRPr lang="en-US"/>
           </a:p>
@@ -1047,6 +1051,10 @@
           <a:bodyPr/>
           <a:lstStyle/>
           <a:p>
+            <a:r>
+              <a:rPr lang="en-GB" smtClean="0"/>
+              <a:t>International Conference on Advances in Intelligent Computing and Communication Technology (AICCT), 2K25</a:t>
+            </a:r>
             <a:endParaRPr lang="en-US"/>
           </a:p>
         </p:txBody>
@@ -1198,9 +1206,9 @@
           <a:bodyPr/>
           <a:lstStyle/>
           <a:p>
-            <a:fld id="{C628C6FC-9086-4B8D-A537-160FE05EABDE}" type="datetime1">
+            <a:fld id="{532C4F03-CE45-4D29-BBFB-BC50642CD098}" type="datetime1">
               <a:rPr lang="en-US" smtClean="0"/>
-              <a:t>4/12/2025</a:t>
+              <a:t>4/21/2025</a:t>
             </a:fld>
             <a:endParaRPr lang="en-US"/>
           </a:p>
@@ -1221,6 +1229,10 @@
           <a:bodyPr/>
           <a:lstStyle/>
           <a:p>
+            <a:r>
+              <a:rPr lang="en-GB" smtClean="0"/>
+              <a:t>International Conference on Advances in Intelligent Computing and Communication Technology (AICCT), 2K25</a:t>
+            </a:r>
             <a:endParaRPr lang="en-US"/>
           </a:p>
         </p:txBody>
@@ -1362,9 +1374,9 @@
           <a:bodyPr/>
           <a:lstStyle/>
           <a:p>
-            <a:fld id="{3B1A22F9-FCB6-47B4-A4AB-D615A6A8106E}" type="datetime1">
+            <a:fld id="{F73C4728-0234-4F33-8EE8-BEF8595C2596}" type="datetime1">
               <a:rPr lang="en-US" smtClean="0"/>
-              <a:t>4/12/2025</a:t>
+              <a:t>4/21/2025</a:t>
             </a:fld>
             <a:endParaRPr lang="en-US"/>
           </a:p>
@@ -1385,6 +1397,10 @@
           <a:bodyPr/>
           <a:lstStyle/>
           <a:p>
+            <a:r>
+              <a:rPr lang="en-GB" smtClean="0"/>
+              <a:t>International Conference on Advances in Intelligent Computing and Communication Technology (AICCT), 2K25</a:t>
+            </a:r>
             <a:endParaRPr lang="en-US"/>
           </a:p>
         </p:txBody>
@@ -1603,9 +1619,9 @@
           <a:bodyPr/>
           <a:lstStyle/>
           <a:p>
-            <a:fld id="{5453B5EE-BBB8-4AE1-87B1-81F3CB36C9F2}" type="datetime1">
+            <a:fld id="{75FC2C3E-7396-424C-8771-356E78387B48}" type="datetime1">
               <a:rPr lang="en-US" smtClean="0"/>
-              <a:t>4/12/2025</a:t>
+              <a:t>4/21/2025</a:t>
             </a:fld>
             <a:endParaRPr lang="en-US"/>
           </a:p>
@@ -1626,6 +1642,10 @@
           <a:bodyPr/>
           <a:lstStyle/>
           <a:p>
+            <a:r>
+              <a:rPr lang="en-GB" smtClean="0"/>
+              <a:t>International Conference on Advances in Intelligent Computing and Communication Technology (AICCT), 2K25</a:t>
+            </a:r>
             <a:endParaRPr lang="en-US"/>
           </a:p>
         </p:txBody>
@@ -1884,9 +1904,9 @@
           <a:bodyPr/>
           <a:lstStyle/>
           <a:p>
-            <a:fld id="{D618F148-5798-4BB6-990B-2BC5CC0C89F8}" type="datetime1">
+            <a:fld id="{E1AAF6EF-C54E-4E5B-AEA5-02D457C9F998}" type="datetime1">
               <a:rPr lang="en-US" smtClean="0"/>
-              <a:t>4/12/2025</a:t>
+              <a:t>4/21/2025</a:t>
             </a:fld>
             <a:endParaRPr lang="en-US"/>
           </a:p>
@@ -1907,6 +1927,10 @@
           <a:bodyPr/>
           <a:lstStyle/>
           <a:p>
+            <a:r>
+              <a:rPr lang="en-GB" smtClean="0"/>
+              <a:t>International Conference on Advances in Intelligent Computing and Communication Technology (AICCT), 2K25</a:t>
+            </a:r>
             <a:endParaRPr lang="en-US"/>
           </a:p>
         </p:txBody>
@@ -2299,9 +2323,9 @@
           <a:bodyPr/>
           <a:lstStyle/>
           <a:p>
-            <a:fld id="{DC804A95-2134-4ABE-AFC9-7F7213DD84C5}" type="datetime1">
+            <a:fld id="{F7B83B52-6374-4457-BEFF-9B24F6481881}" type="datetime1">
               <a:rPr lang="en-US" smtClean="0"/>
-              <a:t>4/12/2025</a:t>
+              <a:t>4/21/2025</a:t>
             </a:fld>
             <a:endParaRPr lang="en-US"/>
           </a:p>
@@ -2322,6 +2346,10 @@
           <a:bodyPr/>
           <a:lstStyle/>
           <a:p>
+            <a:r>
+              <a:rPr lang="en-GB" smtClean="0"/>
+              <a:t>International Conference on Advances in Intelligent Computing and Communication Technology (AICCT), 2K25</a:t>
+            </a:r>
             <a:endParaRPr lang="en-US"/>
           </a:p>
         </p:txBody>
@@ -2412,9 +2440,9 @@
           <a:bodyPr/>
           <a:lstStyle/>
           <a:p>
-            <a:fld id="{F199E85F-9519-4962-A387-A65C65165796}" type="datetime1">
+            <a:fld id="{0814062D-0AD2-4000-B589-96496CEF9E10}" type="datetime1">
               <a:rPr lang="en-US" smtClean="0"/>
-              <a:t>4/12/2025</a:t>
+              <a:t>4/21/2025</a:t>
             </a:fld>
             <a:endParaRPr lang="en-US"/>
           </a:p>
@@ -2435,6 +2463,10 @@
           <a:bodyPr/>
           <a:lstStyle/>
           <a:p>
+            <a:r>
+              <a:rPr lang="en-GB" smtClean="0"/>
+              <a:t>International Conference on Advances in Intelligent Computing and Communication Technology (AICCT), 2K25</a:t>
+            </a:r>
             <a:endParaRPr lang="en-US"/>
           </a:p>
         </p:txBody>
@@ -2503,9 +2535,9 @@
           <a:bodyPr/>
           <a:lstStyle/>
           <a:p>
-            <a:fld id="{46834E0C-4E18-4AC7-A0A6-57778F4F7F2E}" type="datetime1">
+            <a:fld id="{AAC4567C-BC8F-4CB5-9DF2-F21F172B1278}" type="datetime1">
               <a:rPr lang="en-US" smtClean="0"/>
-              <a:t>4/12/2025</a:t>
+              <a:t>4/21/2025</a:t>
             </a:fld>
             <a:endParaRPr lang="en-US"/>
           </a:p>
@@ -2526,6 +2558,10 @@
           <a:bodyPr/>
           <a:lstStyle/>
           <a:p>
+            <a:r>
+              <a:rPr lang="en-GB" smtClean="0"/>
+              <a:t>International Conference on Advances in Intelligent Computing and Communication Technology (AICCT), 2K25</a:t>
+            </a:r>
             <a:endParaRPr lang="en-US"/>
           </a:p>
         </p:txBody>
@@ -2774,9 +2810,9 @@
           <a:bodyPr/>
           <a:lstStyle/>
           <a:p>
-            <a:fld id="{B56409CF-F6DB-4B1E-93F5-5B4184407FA3}" type="datetime1">
+            <a:fld id="{3855445C-2F15-4E06-A5B5-5173CA048B80}" type="datetime1">
               <a:rPr lang="en-US" smtClean="0"/>
-              <a:t>4/12/2025</a:t>
+              <a:t>4/21/2025</a:t>
             </a:fld>
             <a:endParaRPr lang="en-US"/>
           </a:p>
@@ -2797,6 +2833,10 @@
           <a:bodyPr/>
           <a:lstStyle/>
           <a:p>
+            <a:r>
+              <a:rPr lang="en-GB" smtClean="0"/>
+              <a:t>International Conference on Advances in Intelligent Computing and Communication Technology (AICCT), 2K25</a:t>
+            </a:r>
             <a:endParaRPr lang="en-US"/>
           </a:p>
         </p:txBody>
@@ -3022,9 +3062,9 @@
           <a:bodyPr/>
           <a:lstStyle/>
           <a:p>
-            <a:fld id="{435940CA-6402-4A68-A97F-1DD84D60BEFF}" type="datetime1">
+            <a:fld id="{ECB93FC4-5240-4C37-9B43-8936D336C615}" type="datetime1">
               <a:rPr lang="en-US" smtClean="0"/>
-              <a:t>4/12/2025</a:t>
+              <a:t>4/21/2025</a:t>
             </a:fld>
             <a:endParaRPr lang="en-US"/>
           </a:p>
@@ -3045,6 +3085,10 @@
           <a:bodyPr/>
           <a:lstStyle/>
           <a:p>
+            <a:r>
+              <a:rPr lang="en-GB" smtClean="0"/>
+              <a:t>International Conference on Advances in Intelligent Computing and Communication Technology (AICCT), 2K25</a:t>
+            </a:r>
             <a:endParaRPr lang="en-US"/>
           </a:p>
         </p:txBody>
@@ -3229,9 +3273,9 @@
             </a:lvl1pPr>
           </a:lstStyle>
           <a:p>
-            <a:fld id="{B937C5F0-3C2E-48A7-A8DD-53382C700D54}" type="datetime1">
+            <a:fld id="{B32907B5-375B-4357-A7EA-A21467BB5607}" type="datetime1">
               <a:rPr lang="en-US" smtClean="0"/>
-              <a:t>4/12/2025</a:t>
+              <a:t>4/21/2025</a:t>
             </a:fld>
             <a:endParaRPr lang="en-US"/>
           </a:p>
@@ -3270,6 +3314,10 @@
             </a:lvl1pPr>
           </a:lstStyle>
           <a:p>
+            <a:r>
+              <a:rPr lang="en-GB" smtClean="0"/>
+              <a:t>International Conference on Advances in Intelligent Computing and Communication Technology (AICCT), 2K25</a:t>
+            </a:r>
             <a:endParaRPr lang="en-US"/>
           </a:p>
         </p:txBody>
@@ -3332,7 +3380,7 @@
     <p:sldLayoutId id="2147483658" r:id="rId10"/>
     <p:sldLayoutId id="2147483659" r:id="rId11"/>
   </p:sldLayoutIdLst>
-  <p:hf sldNum="0" hdr="0" ftr="0" dt="0"/>
+  <p:hf sldNum="0" hdr="0" dt="0"/>
   <p:txStyles>
     <p:titleStyle>
       <a:lvl1pPr algn="ctr" defTabSz="914400" rtl="0" eaLnBrk="1" latinLnBrk="0" hangingPunct="1">
@@ -3858,81 +3906,12 @@
           </a:p>
         </p:txBody>
       </p:sp>
-      <p:sp>
-        <p:nvSpPr>
-          <p:cNvPr id="10" name="TextBox 9"/>
-          <p:cNvSpPr txBox="1"/>
-          <p:nvPr/>
-        </p:nvSpPr>
-        <p:spPr>
-          <a:xfrm>
-            <a:off x="1766170" y="6319521"/>
-            <a:ext cx="5471160" cy="482953"/>
-          </a:xfrm>
-          <a:prstGeom prst="rect">
-            <a:avLst/>
-          </a:prstGeom>
-          <a:noFill/>
-        </p:spPr>
-        <p:txBody>
-          <a:bodyPr wrap="square" rtlCol="0">
-            <a:spAutoFit/>
-          </a:bodyPr>
-          <a:lstStyle/>
-          <a:p>
-            <a:pPr algn="ctr">
-              <a:lnSpc>
-                <a:spcPct val="150000"/>
-              </a:lnSpc>
-            </a:pPr>
-            <a:r>
-              <a:rPr lang="en-US" sz="900" b="1" dirty="0">
-                <a:latin typeface="Times New Roman" pitchFamily="18" charset="0"/>
-                <a:cs typeface="Times New Roman" pitchFamily="18" charset="0"/>
-              </a:rPr>
-              <a:t>International Conference on Smart Computing, Communication and Automation (ICSCCA), 2K25</a:t>
-            </a:r>
-          </a:p>
-          <a:p>
-            <a:pPr algn="ctr">
-              <a:lnSpc>
-                <a:spcPct val="150000"/>
-              </a:lnSpc>
-            </a:pPr>
-            <a:r>
-              <a:rPr lang="en-US" sz="900" b="1" dirty="0">
-                <a:latin typeface="Times New Roman" pitchFamily="18" charset="0"/>
-                <a:cs typeface="Times New Roman" pitchFamily="18" charset="0"/>
-              </a:rPr>
-              <a:t>Organized by , Budge Budge Institute of Technology,  </a:t>
-            </a:r>
-            <a:r>
-              <a:rPr lang="en-US" sz="900" b="1" dirty="0" err="1">
-                <a:latin typeface="Times New Roman" pitchFamily="18" charset="0"/>
-                <a:cs typeface="Times New Roman" pitchFamily="18" charset="0"/>
-              </a:rPr>
-              <a:t>Nischintapur</a:t>
-            </a:r>
-            <a:r>
-              <a:rPr lang="en-US" sz="900" b="1" dirty="0">
-                <a:latin typeface="Times New Roman" pitchFamily="18" charset="0"/>
-                <a:cs typeface="Times New Roman" pitchFamily="18" charset="0"/>
-              </a:rPr>
-              <a:t>, Budge Budge, India.</a:t>
-            </a:r>
-            <a:endParaRPr lang="en-US" sz="700" b="1" dirty="0">
-              <a:latin typeface="Times New Roman" pitchFamily="18" charset="0"/>
-              <a:cs typeface="Times New Roman" pitchFamily="18" charset="0"/>
-            </a:endParaRPr>
-          </a:p>
-        </p:txBody>
-      </p:sp>
       <p:pic>
         <p:nvPicPr>
-          <p:cNvPr id="4" name="Picture 3">
+          <p:cNvPr id="14" name="Picture 13">
             <a:extLst>
               <a:ext uri="{FF2B5EF4-FFF2-40B4-BE49-F238E27FC236}">
-                <a16:creationId xmlns:a16="http://schemas.microsoft.com/office/drawing/2014/main" id="{8249B92C-58F7-A2C2-CD9C-149448DB904A}"/>
+                <a16:creationId xmlns:a16="http://schemas.microsoft.com/office/drawing/2014/main" id="{87F78201-9E9C-4603-58FD-941D9C0FEAFC}"/>
               </a:ext>
             </a:extLst>
           </p:cNvPr>
@@ -3941,22 +3920,21 @@
           </p:cNvPicPr>
           <p:nvPr/>
         </p:nvPicPr>
-        <p:blipFill>
-          <a:blip r:embed="rId3" cstate="print">
+        <p:blipFill rotWithShape="1">
+          <a:blip r:embed="rId3">
             <a:extLst>
               <a:ext uri="{28A0092B-C50C-407E-A947-70E740481C1C}">
                 <a14:useLocalDpi xmlns:a14="http://schemas.microsoft.com/office/drawing/2010/main" val="0"/>
               </a:ext>
             </a:extLst>
           </a:blip>
-          <a:stretch>
-            <a:fillRect/>
-          </a:stretch>
+          <a:srcRect l="7761" t="21497"/>
+          <a:stretch/>
         </p:blipFill>
         <p:spPr>
           <a:xfrm>
-            <a:off x="-4916" y="28545"/>
-            <a:ext cx="1115103" cy="850285"/>
+            <a:off x="7237330" y="533400"/>
+            <a:ext cx="1791353" cy="1143000"/>
           </a:xfrm>
           <a:prstGeom prst="rect">
             <a:avLst/>
@@ -3965,10 +3943,10 @@
       </p:pic>
       <p:pic>
         <p:nvPicPr>
-          <p:cNvPr id="6" name="Picture 5">
+          <p:cNvPr id="16" name="Picture 15">
             <a:extLst>
               <a:ext uri="{FF2B5EF4-FFF2-40B4-BE49-F238E27FC236}">
-                <a16:creationId xmlns:a16="http://schemas.microsoft.com/office/drawing/2014/main" id="{0FB557B6-16CF-47D6-09ED-5D92BAABBBF2}"/>
+                <a16:creationId xmlns:a16="http://schemas.microsoft.com/office/drawing/2014/main" id="{00471653-70A5-5734-97F0-A463E01377A7}"/>
               </a:ext>
             </a:extLst>
           </p:cNvPr>
@@ -3991,122 +3969,42 @@
         </p:blipFill>
         <p:spPr>
           <a:xfrm>
-            <a:off x="915040" y="43869"/>
-            <a:ext cx="930658" cy="777240"/>
+            <a:off x="746664" y="4833681"/>
+            <a:ext cx="1478471" cy="1478471"/>
           </a:xfrm>
           <a:prstGeom prst="rect">
             <a:avLst/>
           </a:prstGeom>
         </p:spPr>
       </p:pic>
-      <p:pic>
-        <p:nvPicPr>
-          <p:cNvPr id="12" name="Picture 11">
-            <a:extLst>
-              <a:ext uri="{FF2B5EF4-FFF2-40B4-BE49-F238E27FC236}">
-                <a16:creationId xmlns:a16="http://schemas.microsoft.com/office/drawing/2014/main" id="{794942EE-21F2-0565-B9C4-243FA43085FF}"/>
-              </a:ext>
-            </a:extLst>
-          </p:cNvPr>
-          <p:cNvPicPr>
-            <a:picLocks noChangeAspect="1"/>
-          </p:cNvPicPr>
-          <p:nvPr/>
-        </p:nvPicPr>
-        <p:blipFill>
-          <a:blip r:embed="rId5" cstate="print">
-            <a:extLst>
-              <a:ext uri="{28A0092B-C50C-407E-A947-70E740481C1C}">
-                <a14:useLocalDpi xmlns:a14="http://schemas.microsoft.com/office/drawing/2010/main" val="0"/>
-              </a:ext>
-            </a:extLst>
-          </a:blip>
-          <a:stretch>
-            <a:fillRect/>
-          </a:stretch>
-        </p:blipFill>
-        <p:spPr>
-          <a:xfrm>
-            <a:off x="1956459" y="101590"/>
-            <a:ext cx="777240" cy="719519"/>
-          </a:xfrm>
-          <a:prstGeom prst="rect">
-            <a:avLst/>
-          </a:prstGeom>
-        </p:spPr>
-      </p:pic>
-      <p:pic>
-        <p:nvPicPr>
-          <p:cNvPr id="14" name="Picture 13">
-            <a:extLst>
-              <a:ext uri="{FF2B5EF4-FFF2-40B4-BE49-F238E27FC236}">
-                <a16:creationId xmlns:a16="http://schemas.microsoft.com/office/drawing/2014/main" id="{87F78201-9E9C-4603-58FD-941D9C0FEAFC}"/>
-              </a:ext>
-            </a:extLst>
-          </p:cNvPr>
-          <p:cNvPicPr>
-            <a:picLocks noChangeAspect="1"/>
-          </p:cNvPicPr>
-          <p:nvPr/>
-        </p:nvPicPr>
-        <p:blipFill>
-          <a:blip r:embed="rId6" cstate="print">
-            <a:extLst>
-              <a:ext uri="{28A0092B-C50C-407E-A947-70E740481C1C}">
-                <a14:useLocalDpi xmlns:a14="http://schemas.microsoft.com/office/drawing/2010/main" val="0"/>
-              </a:ext>
-            </a:extLst>
-          </a:blip>
-          <a:stretch>
-            <a:fillRect/>
-          </a:stretch>
-        </p:blipFill>
-        <p:spPr>
-          <a:xfrm>
-            <a:off x="8168123" y="43869"/>
-            <a:ext cx="928688" cy="792433"/>
-          </a:xfrm>
-          <a:prstGeom prst="rect">
-            <a:avLst/>
-          </a:prstGeom>
-        </p:spPr>
-      </p:pic>
-      <p:pic>
-        <p:nvPicPr>
-          <p:cNvPr id="16" name="Picture 15">
-            <a:extLst>
-              <a:ext uri="{FF2B5EF4-FFF2-40B4-BE49-F238E27FC236}">
-                <a16:creationId xmlns:a16="http://schemas.microsoft.com/office/drawing/2014/main" id="{00471653-70A5-5734-97F0-A463E01377A7}"/>
-              </a:ext>
-            </a:extLst>
-          </p:cNvPr>
-          <p:cNvPicPr>
-            <a:picLocks noChangeAspect="1"/>
-          </p:cNvPicPr>
-          <p:nvPr/>
-        </p:nvPicPr>
-        <p:blipFill>
-          <a:blip r:embed="rId7" cstate="print">
-            <a:extLst>
-              <a:ext uri="{28A0092B-C50C-407E-A947-70E740481C1C}">
-                <a14:useLocalDpi xmlns:a14="http://schemas.microsoft.com/office/drawing/2010/main" val="0"/>
-              </a:ext>
-            </a:extLst>
-          </a:blip>
-          <a:stretch>
-            <a:fillRect/>
-          </a:stretch>
-        </p:blipFill>
-        <p:spPr>
-          <a:xfrm>
-            <a:off x="0" y="4833681"/>
-            <a:ext cx="2971800" cy="1478471"/>
-          </a:xfrm>
-          <a:prstGeom prst="rect">
-            <a:avLst/>
-          </a:prstGeom>
-        </p:spPr>
-      </p:pic>
+      <p:sp>
+        <p:nvSpPr>
+          <p:cNvPr id="3" name="Footer Placeholder 2"/>
+          <p:cNvSpPr>
+            <a:spLocks noGrp="1"/>
+          </p:cNvSpPr>
+          <p:nvPr>
+            <p:ph type="ftr" sz="quarter" idx="11"/>
+          </p:nvPr>
+        </p:nvSpPr>
+        <p:spPr>
+          <a:xfrm>
+            <a:off x="0" y="6356350"/>
+            <a:ext cx="7237330" cy="365125"/>
+          </a:xfrm>
+        </p:spPr>
+        <p:txBody>
+          <a:bodyPr/>
+          <a:lstStyle/>
+          <a:p>
+            <a:r>
+              <a:rPr lang="en-GB" dirty="0" smtClean="0"/>
+              <a:t>International Conference on Advances in Intelligent Computing and Communication Technology (AICCT), 2K25</a:t>
+            </a:r>
+            <a:endParaRPr lang="en-US" dirty="0"/>
+          </a:p>
+        </p:txBody>
+      </p:sp>
     </p:spTree>
     <p:extLst>
       <p:ext uri="{BB962C8B-B14F-4D97-AF65-F5344CB8AC3E}">
@@ -4117,6 +4015,13 @@
   <p:clrMapOvr>
     <a:masterClrMapping/>
   </p:clrMapOvr>
+  <p:timing>
+    <p:tnLst>
+      <p:par>
+        <p:cTn id="1" dur="indefinite" restart="never" nodeType="tmRoot"/>
+      </p:par>
+    </p:tnLst>
+  </p:timing>
 </p:sld>
 </file>
 
@@ -4261,10 +4166,10 @@
       </p:sp>
       <p:pic>
         <p:nvPicPr>
-          <p:cNvPr id="11" name="Picture 10">
+          <p:cNvPr id="14" name="Picture 13">
             <a:extLst>
               <a:ext uri="{FF2B5EF4-FFF2-40B4-BE49-F238E27FC236}">
-                <a16:creationId xmlns:a16="http://schemas.microsoft.com/office/drawing/2014/main" id="{BF911DB0-4CDB-12EC-C318-DA471737B665}"/>
+                <a16:creationId xmlns:a16="http://schemas.microsoft.com/office/drawing/2014/main" id="{667C9496-0BF4-4A28-8470-4B1E1C8D13A2}"/>
               </a:ext>
             </a:extLst>
           </p:cNvPr>
@@ -4287,122 +4192,37 @@
         </p:blipFill>
         <p:spPr>
           <a:xfrm>
-            <a:off x="-4916" y="28545"/>
-            <a:ext cx="1115103" cy="850285"/>
+            <a:off x="8236250" y="43869"/>
+            <a:ext cx="792433" cy="792433"/>
           </a:xfrm>
           <a:prstGeom prst="rect">
             <a:avLst/>
           </a:prstGeom>
         </p:spPr>
       </p:pic>
-      <p:pic>
-        <p:nvPicPr>
-          <p:cNvPr id="12" name="Picture 11">
-            <a:extLst>
-              <a:ext uri="{FF2B5EF4-FFF2-40B4-BE49-F238E27FC236}">
-                <a16:creationId xmlns:a16="http://schemas.microsoft.com/office/drawing/2014/main" id="{3C9A92AA-007A-A4F7-A656-21D74FB55454}"/>
-              </a:ext>
-            </a:extLst>
-          </p:cNvPr>
-          <p:cNvPicPr>
-            <a:picLocks noChangeAspect="1"/>
-          </p:cNvPicPr>
-          <p:nvPr/>
-        </p:nvPicPr>
-        <p:blipFill>
-          <a:blip r:embed="rId4" cstate="print">
-            <a:extLst>
-              <a:ext uri="{28A0092B-C50C-407E-A947-70E740481C1C}">
-                <a14:useLocalDpi xmlns:a14="http://schemas.microsoft.com/office/drawing/2010/main" val="0"/>
-              </a:ext>
-            </a:extLst>
-          </a:blip>
-          <a:stretch>
-            <a:fillRect/>
-          </a:stretch>
-        </p:blipFill>
-        <p:spPr>
-          <a:xfrm>
-            <a:off x="915040" y="43869"/>
-            <a:ext cx="930658" cy="777240"/>
-          </a:xfrm>
-          <a:prstGeom prst="rect">
-            <a:avLst/>
-          </a:prstGeom>
-        </p:spPr>
-      </p:pic>
-      <p:pic>
-        <p:nvPicPr>
-          <p:cNvPr id="13" name="Picture 12">
-            <a:extLst>
-              <a:ext uri="{FF2B5EF4-FFF2-40B4-BE49-F238E27FC236}">
-                <a16:creationId xmlns:a16="http://schemas.microsoft.com/office/drawing/2014/main" id="{782A7991-3C18-940F-C494-589980D04C67}"/>
-              </a:ext>
-            </a:extLst>
-          </p:cNvPr>
-          <p:cNvPicPr>
-            <a:picLocks noChangeAspect="1"/>
-          </p:cNvPicPr>
-          <p:nvPr/>
-        </p:nvPicPr>
-        <p:blipFill>
-          <a:blip r:embed="rId5" cstate="print">
-            <a:extLst>
-              <a:ext uri="{28A0092B-C50C-407E-A947-70E740481C1C}">
-                <a14:useLocalDpi xmlns:a14="http://schemas.microsoft.com/office/drawing/2010/main" val="0"/>
-              </a:ext>
-            </a:extLst>
-          </a:blip>
-          <a:stretch>
-            <a:fillRect/>
-          </a:stretch>
-        </p:blipFill>
-        <p:spPr>
-          <a:xfrm>
-            <a:off x="1956459" y="101590"/>
-            <a:ext cx="777240" cy="719519"/>
-          </a:xfrm>
-          <a:prstGeom prst="rect">
-            <a:avLst/>
-          </a:prstGeom>
-        </p:spPr>
-      </p:pic>
-      <p:pic>
-        <p:nvPicPr>
-          <p:cNvPr id="14" name="Picture 13">
-            <a:extLst>
-              <a:ext uri="{FF2B5EF4-FFF2-40B4-BE49-F238E27FC236}">
-                <a16:creationId xmlns:a16="http://schemas.microsoft.com/office/drawing/2014/main" id="{667C9496-0BF4-4A28-8470-4B1E1C8D13A2}"/>
-              </a:ext>
-            </a:extLst>
-          </p:cNvPr>
-          <p:cNvPicPr>
-            <a:picLocks noChangeAspect="1"/>
-          </p:cNvPicPr>
-          <p:nvPr/>
-        </p:nvPicPr>
-        <p:blipFill>
-          <a:blip r:embed="rId6" cstate="print">
-            <a:extLst>
-              <a:ext uri="{28A0092B-C50C-407E-A947-70E740481C1C}">
-                <a14:useLocalDpi xmlns:a14="http://schemas.microsoft.com/office/drawing/2010/main" val="0"/>
-              </a:ext>
-            </a:extLst>
-          </a:blip>
-          <a:stretch>
-            <a:fillRect/>
-          </a:stretch>
-        </p:blipFill>
-        <p:spPr>
-          <a:xfrm>
-            <a:off x="8168123" y="43869"/>
-            <a:ext cx="928688" cy="792433"/>
-          </a:xfrm>
-          <a:prstGeom prst="rect">
-            <a:avLst/>
-          </a:prstGeom>
-        </p:spPr>
-      </p:pic>
+      <p:sp>
+        <p:nvSpPr>
+          <p:cNvPr id="2" name="Footer Placeholder 1"/>
+          <p:cNvSpPr>
+            <a:spLocks noGrp="1"/>
+          </p:cNvSpPr>
+          <p:nvPr>
+            <p:ph type="ftr" sz="quarter" idx="11"/>
+          </p:nvPr>
+        </p:nvSpPr>
+        <p:spPr/>
+        <p:txBody>
+          <a:bodyPr/>
+          <a:lstStyle/>
+          <a:p>
+            <a:r>
+              <a:rPr lang="en-GB" smtClean="0"/>
+              <a:t>International Conference on Advances in Intelligent Computing and Communication Technology (AICCT), 2K25</a:t>
+            </a:r>
+            <a:endParaRPr lang="en-US"/>
+          </a:p>
+        </p:txBody>
+      </p:sp>
     </p:spTree>
     <p:extLst>
       <p:ext uri="{BB962C8B-B14F-4D97-AF65-F5344CB8AC3E}">
@@ -4557,10 +4377,10 @@
       </p:sp>
       <p:pic>
         <p:nvPicPr>
-          <p:cNvPr id="11" name="Picture 10">
+          <p:cNvPr id="14" name="Picture 13">
             <a:extLst>
               <a:ext uri="{FF2B5EF4-FFF2-40B4-BE49-F238E27FC236}">
-                <a16:creationId xmlns:a16="http://schemas.microsoft.com/office/drawing/2014/main" id="{09A1D309-4FF4-1C78-6D6A-DE3F83D75A03}"/>
+                <a16:creationId xmlns:a16="http://schemas.microsoft.com/office/drawing/2014/main" id="{54FDC766-33FB-6D9E-71C1-883AFB311485}"/>
               </a:ext>
             </a:extLst>
           </p:cNvPr>
@@ -4583,8 +4403,8 @@
         </p:blipFill>
         <p:spPr>
           <a:xfrm>
-            <a:off x="-4916" y="28545"/>
-            <a:ext cx="1115103" cy="850285"/>
+            <a:off x="8236250" y="43869"/>
+            <a:ext cx="792433" cy="792433"/>
           </a:xfrm>
           <a:prstGeom prst="rect">
             <a:avLst/>
@@ -4593,10 +4413,10 @@
       </p:pic>
       <p:pic>
         <p:nvPicPr>
-          <p:cNvPr id="12" name="Picture 11">
+          <p:cNvPr id="15" name="Picture 14">
             <a:extLst>
               <a:ext uri="{FF2B5EF4-FFF2-40B4-BE49-F238E27FC236}">
-                <a16:creationId xmlns:a16="http://schemas.microsoft.com/office/drawing/2014/main" id="{DB7E2A4F-1778-0D1A-E62C-AB720D0DC202}"/>
+                <a16:creationId xmlns:a16="http://schemas.microsoft.com/office/drawing/2014/main" id="{7F5FFEC0-8D11-89D5-6BC6-40496FF2CA3D}"/>
               </a:ext>
             </a:extLst>
           </p:cNvPr>
@@ -4619,194 +4439,34 @@
         </p:blipFill>
         <p:spPr>
           <a:xfrm>
-            <a:off x="915040" y="43869"/>
-            <a:ext cx="930658" cy="777240"/>
+            <a:off x="12895" y="5324003"/>
+            <a:ext cx="1478471" cy="1478471"/>
           </a:xfrm>
           <a:prstGeom prst="rect">
             <a:avLst/>
           </a:prstGeom>
         </p:spPr>
       </p:pic>
-      <p:pic>
-        <p:nvPicPr>
-          <p:cNvPr id="13" name="Picture 12">
-            <a:extLst>
-              <a:ext uri="{FF2B5EF4-FFF2-40B4-BE49-F238E27FC236}">
-                <a16:creationId xmlns:a16="http://schemas.microsoft.com/office/drawing/2014/main" id="{8A88DB17-E6ED-3A3C-3E13-C9102246400C}"/>
-              </a:ext>
-            </a:extLst>
-          </p:cNvPr>
-          <p:cNvPicPr>
-            <a:picLocks noChangeAspect="1"/>
-          </p:cNvPicPr>
-          <p:nvPr/>
-        </p:nvPicPr>
-        <p:blipFill>
-          <a:blip r:embed="rId5" cstate="print">
-            <a:extLst>
-              <a:ext uri="{28A0092B-C50C-407E-A947-70E740481C1C}">
-                <a14:useLocalDpi xmlns:a14="http://schemas.microsoft.com/office/drawing/2010/main" val="0"/>
-              </a:ext>
-            </a:extLst>
-          </a:blip>
-          <a:stretch>
-            <a:fillRect/>
-          </a:stretch>
-        </p:blipFill>
-        <p:spPr>
-          <a:xfrm>
-            <a:off x="1956459" y="101590"/>
-            <a:ext cx="777240" cy="719519"/>
-          </a:xfrm>
-          <a:prstGeom prst="rect">
-            <a:avLst/>
-          </a:prstGeom>
-        </p:spPr>
-      </p:pic>
-      <p:pic>
-        <p:nvPicPr>
-          <p:cNvPr id="14" name="Picture 13">
-            <a:extLst>
-              <a:ext uri="{FF2B5EF4-FFF2-40B4-BE49-F238E27FC236}">
-                <a16:creationId xmlns:a16="http://schemas.microsoft.com/office/drawing/2014/main" id="{54FDC766-33FB-6D9E-71C1-883AFB311485}"/>
-              </a:ext>
-            </a:extLst>
-          </p:cNvPr>
-          <p:cNvPicPr>
-            <a:picLocks noChangeAspect="1"/>
-          </p:cNvPicPr>
-          <p:nvPr/>
-        </p:nvPicPr>
-        <p:blipFill>
-          <a:blip r:embed="rId6" cstate="print">
-            <a:extLst>
-              <a:ext uri="{28A0092B-C50C-407E-A947-70E740481C1C}">
-                <a14:useLocalDpi xmlns:a14="http://schemas.microsoft.com/office/drawing/2010/main" val="0"/>
-              </a:ext>
-            </a:extLst>
-          </a:blip>
-          <a:stretch>
-            <a:fillRect/>
-          </a:stretch>
-        </p:blipFill>
-        <p:spPr>
-          <a:xfrm>
-            <a:off x="8168123" y="43869"/>
-            <a:ext cx="928688" cy="792433"/>
-          </a:xfrm>
-          <a:prstGeom prst="rect">
-            <a:avLst/>
-          </a:prstGeom>
-        </p:spPr>
-      </p:pic>
-      <p:pic>
-        <p:nvPicPr>
-          <p:cNvPr id="15" name="Picture 14">
-            <a:extLst>
-              <a:ext uri="{FF2B5EF4-FFF2-40B4-BE49-F238E27FC236}">
-                <a16:creationId xmlns:a16="http://schemas.microsoft.com/office/drawing/2014/main" id="{7F5FFEC0-8D11-89D5-6BC6-40496FF2CA3D}"/>
-              </a:ext>
-            </a:extLst>
-          </p:cNvPr>
-          <p:cNvPicPr>
-            <a:picLocks noChangeAspect="1"/>
-          </p:cNvPicPr>
-          <p:nvPr/>
-        </p:nvPicPr>
-        <p:blipFill>
-          <a:blip r:embed="rId7" cstate="print">
-            <a:extLst>
-              <a:ext uri="{28A0092B-C50C-407E-A947-70E740481C1C}">
-                <a14:useLocalDpi xmlns:a14="http://schemas.microsoft.com/office/drawing/2010/main" val="0"/>
-              </a:ext>
-            </a:extLst>
-          </a:blip>
-          <a:stretch>
-            <a:fillRect/>
-          </a:stretch>
-        </p:blipFill>
-        <p:spPr>
-          <a:xfrm>
-            <a:off x="0" y="4833681"/>
-            <a:ext cx="2971800" cy="1478471"/>
-          </a:xfrm>
-          <a:prstGeom prst="rect">
-            <a:avLst/>
-          </a:prstGeom>
-        </p:spPr>
-      </p:pic>
-      <p:sp>
-        <p:nvSpPr>
-          <p:cNvPr id="3" name="TextBox 2">
-            <a:extLst>
-              <a:ext uri="{FF2B5EF4-FFF2-40B4-BE49-F238E27FC236}">
-                <a16:creationId xmlns:a16="http://schemas.microsoft.com/office/drawing/2014/main" id="{2D0078D2-B12A-A701-9249-8C5381BE5551}"/>
-              </a:ext>
-            </a:extLst>
-          </p:cNvPr>
-          <p:cNvSpPr txBox="1"/>
-          <p:nvPr/>
-        </p:nvSpPr>
-        <p:spPr>
-          <a:xfrm>
-            <a:off x="1766170" y="6319521"/>
-            <a:ext cx="5471160" cy="482953"/>
-          </a:xfrm>
-          <a:prstGeom prst="rect">
-            <a:avLst/>
-          </a:prstGeom>
-          <a:noFill/>
-        </p:spPr>
-        <p:txBody>
-          <a:bodyPr wrap="square" rtlCol="0">
-            <a:spAutoFit/>
-          </a:bodyPr>
-          <a:lstStyle/>
-          <a:p>
-            <a:pPr algn="ctr">
-              <a:lnSpc>
-                <a:spcPct val="150000"/>
-              </a:lnSpc>
-            </a:pPr>
-            <a:r>
-              <a:rPr lang="en-US" sz="900" b="1" dirty="0">
-                <a:latin typeface="Times New Roman" pitchFamily="18" charset="0"/>
-                <a:cs typeface="Times New Roman" pitchFamily="18" charset="0"/>
-              </a:rPr>
-              <a:t>International Conference on Smart Computing, Communication and Automation (ICSCCA), 2K25</a:t>
-            </a:r>
-          </a:p>
-          <a:p>
-            <a:pPr algn="ctr">
-              <a:lnSpc>
-                <a:spcPct val="150000"/>
-              </a:lnSpc>
-            </a:pPr>
-            <a:r>
-              <a:rPr lang="en-US" sz="900" b="1" dirty="0">
-                <a:latin typeface="Times New Roman" pitchFamily="18" charset="0"/>
-                <a:cs typeface="Times New Roman" pitchFamily="18" charset="0"/>
-              </a:rPr>
-              <a:t>Organized by , Budge Budge Institute of Technology,  </a:t>
-            </a:r>
-            <a:r>
-              <a:rPr lang="en-US" sz="900" b="1" dirty="0" err="1">
-                <a:latin typeface="Times New Roman" pitchFamily="18" charset="0"/>
-                <a:cs typeface="Times New Roman" pitchFamily="18" charset="0"/>
-              </a:rPr>
-              <a:t>Nischintapur</a:t>
-            </a:r>
-            <a:r>
-              <a:rPr lang="en-US" sz="900" b="1" dirty="0">
-                <a:latin typeface="Times New Roman" pitchFamily="18" charset="0"/>
-                <a:cs typeface="Times New Roman" pitchFamily="18" charset="0"/>
-              </a:rPr>
-              <a:t>, Budge Budge, India.</a:t>
-            </a:r>
-            <a:endParaRPr lang="en-US" sz="700" b="1" dirty="0">
-              <a:latin typeface="Times New Roman" pitchFamily="18" charset="0"/>
-              <a:cs typeface="Times New Roman" pitchFamily="18" charset="0"/>
-            </a:endParaRPr>
+      <p:sp>
+        <p:nvSpPr>
+          <p:cNvPr id="4" name="Footer Placeholder 3"/>
+          <p:cNvSpPr>
+            <a:spLocks noGrp="1"/>
+          </p:cNvSpPr>
+          <p:nvPr>
+            <p:ph type="ftr" sz="quarter" idx="11"/>
+          </p:nvPr>
+        </p:nvSpPr>
+        <p:spPr/>
+        <p:txBody>
+          <a:bodyPr/>
+          <a:lstStyle/>
+          <a:p>
+            <a:r>
+              <a:rPr lang="en-GB" dirty="0" smtClean="0"/>
+              <a:t>International Conference on Advances in Intelligent Computing and Communication Technology (AICCT), 2K25</a:t>
+            </a:r>
+            <a:endParaRPr lang="en-US" dirty="0"/>
           </a:p>
         </p:txBody>
       </p:sp>
@@ -4964,10 +4624,10 @@
       </p:sp>
       <p:pic>
         <p:nvPicPr>
-          <p:cNvPr id="11" name="Picture 10">
+          <p:cNvPr id="14" name="Picture 13">
             <a:extLst>
               <a:ext uri="{FF2B5EF4-FFF2-40B4-BE49-F238E27FC236}">
-                <a16:creationId xmlns:a16="http://schemas.microsoft.com/office/drawing/2014/main" id="{21704FF3-0100-3E33-BF39-CF54B44D90F9}"/>
+                <a16:creationId xmlns:a16="http://schemas.microsoft.com/office/drawing/2014/main" id="{337AAE0B-411D-EBA1-3ADC-55DFFBF075A1}"/>
               </a:ext>
             </a:extLst>
           </p:cNvPr>
@@ -4990,8 +4650,8 @@
         </p:blipFill>
         <p:spPr>
           <a:xfrm>
-            <a:off x="-4916" y="28545"/>
-            <a:ext cx="1115103" cy="850285"/>
+            <a:off x="8236250" y="43869"/>
+            <a:ext cx="792433" cy="792433"/>
           </a:xfrm>
           <a:prstGeom prst="rect">
             <a:avLst/>
@@ -5000,10 +4660,10 @@
       </p:pic>
       <p:pic>
         <p:nvPicPr>
-          <p:cNvPr id="12" name="Picture 11">
+          <p:cNvPr id="15" name="Picture 14">
             <a:extLst>
               <a:ext uri="{FF2B5EF4-FFF2-40B4-BE49-F238E27FC236}">
-                <a16:creationId xmlns:a16="http://schemas.microsoft.com/office/drawing/2014/main" id="{29CCA569-DAF0-5858-8355-0BF455692FC6}"/>
+                <a16:creationId xmlns:a16="http://schemas.microsoft.com/office/drawing/2014/main" id="{CA338E09-D68F-0F04-DEDE-EA3446EC8619}"/>
               </a:ext>
             </a:extLst>
           </p:cNvPr>
@@ -5026,194 +4686,34 @@
         </p:blipFill>
         <p:spPr>
           <a:xfrm>
-            <a:off x="915040" y="43869"/>
-            <a:ext cx="930658" cy="777240"/>
+            <a:off x="5862" y="5379529"/>
+            <a:ext cx="1478471" cy="1478471"/>
           </a:xfrm>
           <a:prstGeom prst="rect">
             <a:avLst/>
           </a:prstGeom>
         </p:spPr>
       </p:pic>
-      <p:pic>
-        <p:nvPicPr>
-          <p:cNvPr id="13" name="Picture 12">
-            <a:extLst>
-              <a:ext uri="{FF2B5EF4-FFF2-40B4-BE49-F238E27FC236}">
-                <a16:creationId xmlns:a16="http://schemas.microsoft.com/office/drawing/2014/main" id="{E6E9996A-2DBF-19C1-E16A-1EB98704F020}"/>
-              </a:ext>
-            </a:extLst>
-          </p:cNvPr>
-          <p:cNvPicPr>
-            <a:picLocks noChangeAspect="1"/>
-          </p:cNvPicPr>
-          <p:nvPr/>
-        </p:nvPicPr>
-        <p:blipFill>
-          <a:blip r:embed="rId5" cstate="print">
-            <a:extLst>
-              <a:ext uri="{28A0092B-C50C-407E-A947-70E740481C1C}">
-                <a14:useLocalDpi xmlns:a14="http://schemas.microsoft.com/office/drawing/2010/main" val="0"/>
-              </a:ext>
-            </a:extLst>
-          </a:blip>
-          <a:stretch>
-            <a:fillRect/>
-          </a:stretch>
-        </p:blipFill>
-        <p:spPr>
-          <a:xfrm>
-            <a:off x="1956459" y="101590"/>
-            <a:ext cx="777240" cy="719519"/>
-          </a:xfrm>
-          <a:prstGeom prst="rect">
-            <a:avLst/>
-          </a:prstGeom>
-        </p:spPr>
-      </p:pic>
-      <p:pic>
-        <p:nvPicPr>
-          <p:cNvPr id="14" name="Picture 13">
-            <a:extLst>
-              <a:ext uri="{FF2B5EF4-FFF2-40B4-BE49-F238E27FC236}">
-                <a16:creationId xmlns:a16="http://schemas.microsoft.com/office/drawing/2014/main" id="{337AAE0B-411D-EBA1-3ADC-55DFFBF075A1}"/>
-              </a:ext>
-            </a:extLst>
-          </p:cNvPr>
-          <p:cNvPicPr>
-            <a:picLocks noChangeAspect="1"/>
-          </p:cNvPicPr>
-          <p:nvPr/>
-        </p:nvPicPr>
-        <p:blipFill>
-          <a:blip r:embed="rId6" cstate="print">
-            <a:extLst>
-              <a:ext uri="{28A0092B-C50C-407E-A947-70E740481C1C}">
-                <a14:useLocalDpi xmlns:a14="http://schemas.microsoft.com/office/drawing/2010/main" val="0"/>
-              </a:ext>
-            </a:extLst>
-          </a:blip>
-          <a:stretch>
-            <a:fillRect/>
-          </a:stretch>
-        </p:blipFill>
-        <p:spPr>
-          <a:xfrm>
-            <a:off x="8168123" y="43869"/>
-            <a:ext cx="928688" cy="792433"/>
-          </a:xfrm>
-          <a:prstGeom prst="rect">
-            <a:avLst/>
-          </a:prstGeom>
-        </p:spPr>
-      </p:pic>
-      <p:pic>
-        <p:nvPicPr>
-          <p:cNvPr id="15" name="Picture 14">
-            <a:extLst>
-              <a:ext uri="{FF2B5EF4-FFF2-40B4-BE49-F238E27FC236}">
-                <a16:creationId xmlns:a16="http://schemas.microsoft.com/office/drawing/2014/main" id="{CA338E09-D68F-0F04-DEDE-EA3446EC8619}"/>
-              </a:ext>
-            </a:extLst>
-          </p:cNvPr>
-          <p:cNvPicPr>
-            <a:picLocks noChangeAspect="1"/>
-          </p:cNvPicPr>
-          <p:nvPr/>
-        </p:nvPicPr>
-        <p:blipFill>
-          <a:blip r:embed="rId7" cstate="print">
-            <a:extLst>
-              <a:ext uri="{28A0092B-C50C-407E-A947-70E740481C1C}">
-                <a14:useLocalDpi xmlns:a14="http://schemas.microsoft.com/office/drawing/2010/main" val="0"/>
-              </a:ext>
-            </a:extLst>
-          </a:blip>
-          <a:stretch>
-            <a:fillRect/>
-          </a:stretch>
-        </p:blipFill>
-        <p:spPr>
-          <a:xfrm>
-            <a:off x="0" y="4833681"/>
-            <a:ext cx="2971800" cy="1478471"/>
-          </a:xfrm>
-          <a:prstGeom prst="rect">
-            <a:avLst/>
-          </a:prstGeom>
-        </p:spPr>
-      </p:pic>
-      <p:sp>
-        <p:nvSpPr>
-          <p:cNvPr id="3" name="TextBox 2">
-            <a:extLst>
-              <a:ext uri="{FF2B5EF4-FFF2-40B4-BE49-F238E27FC236}">
-                <a16:creationId xmlns:a16="http://schemas.microsoft.com/office/drawing/2014/main" id="{636A8135-2497-DC0C-E222-01ABEF40FBCB}"/>
-              </a:ext>
-            </a:extLst>
-          </p:cNvPr>
-          <p:cNvSpPr txBox="1"/>
-          <p:nvPr/>
-        </p:nvSpPr>
-        <p:spPr>
-          <a:xfrm>
-            <a:off x="1766170" y="6319521"/>
-            <a:ext cx="5471160" cy="482953"/>
-          </a:xfrm>
-          <a:prstGeom prst="rect">
-            <a:avLst/>
-          </a:prstGeom>
-          <a:noFill/>
-        </p:spPr>
-        <p:txBody>
-          <a:bodyPr wrap="square" rtlCol="0">
-            <a:spAutoFit/>
-          </a:bodyPr>
-          <a:lstStyle/>
-          <a:p>
-            <a:pPr algn="ctr">
-              <a:lnSpc>
-                <a:spcPct val="150000"/>
-              </a:lnSpc>
-            </a:pPr>
-            <a:r>
-              <a:rPr lang="en-US" sz="900" b="1" dirty="0">
-                <a:latin typeface="Times New Roman" pitchFamily="18" charset="0"/>
-                <a:cs typeface="Times New Roman" pitchFamily="18" charset="0"/>
-              </a:rPr>
-              <a:t>International Conference on Smart Computing, Communication and Automation (ICSCCA), 2K25</a:t>
-            </a:r>
-          </a:p>
-          <a:p>
-            <a:pPr algn="ctr">
-              <a:lnSpc>
-                <a:spcPct val="150000"/>
-              </a:lnSpc>
-            </a:pPr>
-            <a:r>
-              <a:rPr lang="en-US" sz="900" b="1" dirty="0">
-                <a:latin typeface="Times New Roman" pitchFamily="18" charset="0"/>
-                <a:cs typeface="Times New Roman" pitchFamily="18" charset="0"/>
-              </a:rPr>
-              <a:t>Organized by , Budge Budge Institute of Technology,  </a:t>
-            </a:r>
-            <a:r>
-              <a:rPr lang="en-US" sz="900" b="1" dirty="0" err="1">
-                <a:latin typeface="Times New Roman" pitchFamily="18" charset="0"/>
-                <a:cs typeface="Times New Roman" pitchFamily="18" charset="0"/>
-              </a:rPr>
-              <a:t>Nischintapur</a:t>
-            </a:r>
-            <a:r>
-              <a:rPr lang="en-US" sz="900" b="1" dirty="0">
-                <a:latin typeface="Times New Roman" pitchFamily="18" charset="0"/>
-                <a:cs typeface="Times New Roman" pitchFamily="18" charset="0"/>
-              </a:rPr>
-              <a:t>, Budge Budge, India.</a:t>
-            </a:r>
-            <a:endParaRPr lang="en-US" sz="700" b="1" dirty="0">
-              <a:latin typeface="Times New Roman" pitchFamily="18" charset="0"/>
-              <a:cs typeface="Times New Roman" pitchFamily="18" charset="0"/>
-            </a:endParaRPr>
+      <p:sp>
+        <p:nvSpPr>
+          <p:cNvPr id="4" name="Footer Placeholder 3"/>
+          <p:cNvSpPr>
+            <a:spLocks noGrp="1"/>
+          </p:cNvSpPr>
+          <p:nvPr>
+            <p:ph type="ftr" sz="quarter" idx="11"/>
+          </p:nvPr>
+        </p:nvSpPr>
+        <p:spPr/>
+        <p:txBody>
+          <a:bodyPr/>
+          <a:lstStyle/>
+          <a:p>
+            <a:r>
+              <a:rPr lang="en-GB" dirty="0" smtClean="0"/>
+              <a:t>International Conference on Advances in Intelligent Computing and Communication Technology (AICCT), 2K25</a:t>
+            </a:r>
+            <a:endParaRPr lang="en-US" dirty="0"/>
           </a:p>
         </p:txBody>
       </p:sp>
@@ -5323,10 +4823,10 @@
       </p:pic>
       <p:pic>
         <p:nvPicPr>
-          <p:cNvPr id="10" name="Picture 9">
+          <p:cNvPr id="13" name="Picture 12">
             <a:extLst>
               <a:ext uri="{FF2B5EF4-FFF2-40B4-BE49-F238E27FC236}">
-                <a16:creationId xmlns:a16="http://schemas.microsoft.com/office/drawing/2014/main" id="{029E3A30-3B47-28B1-5B81-1C4680FE1A8B}"/>
+                <a16:creationId xmlns:a16="http://schemas.microsoft.com/office/drawing/2014/main" id="{2BEA043B-94D9-0CCC-1E94-0FD8751BDC29}"/>
               </a:ext>
             </a:extLst>
           </p:cNvPr>
@@ -5349,8 +4849,8 @@
         </p:blipFill>
         <p:spPr>
           <a:xfrm>
-            <a:off x="-4916" y="28545"/>
-            <a:ext cx="1115103" cy="850285"/>
+            <a:off x="8236250" y="43869"/>
+            <a:ext cx="792433" cy="792433"/>
           </a:xfrm>
           <a:prstGeom prst="rect">
             <a:avLst/>
@@ -5359,10 +4859,10 @@
       </p:pic>
       <p:pic>
         <p:nvPicPr>
-          <p:cNvPr id="11" name="Picture 10">
+          <p:cNvPr id="14" name="Picture 13">
             <a:extLst>
               <a:ext uri="{FF2B5EF4-FFF2-40B4-BE49-F238E27FC236}">
-                <a16:creationId xmlns:a16="http://schemas.microsoft.com/office/drawing/2014/main" id="{950C16C7-7F02-9DD3-671F-0173DDB6A054}"/>
+                <a16:creationId xmlns:a16="http://schemas.microsoft.com/office/drawing/2014/main" id="{ECFDBA22-4ACA-383D-D51E-F25BE6BD4667}"/>
               </a:ext>
             </a:extLst>
           </p:cNvPr>
@@ -5385,194 +4885,34 @@
         </p:blipFill>
         <p:spPr>
           <a:xfrm>
-            <a:off x="915040" y="43869"/>
-            <a:ext cx="930658" cy="777240"/>
+            <a:off x="746664" y="4833681"/>
+            <a:ext cx="1478471" cy="1478471"/>
           </a:xfrm>
           <a:prstGeom prst="rect">
             <a:avLst/>
           </a:prstGeom>
         </p:spPr>
       </p:pic>
-      <p:pic>
-        <p:nvPicPr>
-          <p:cNvPr id="12" name="Picture 11">
-            <a:extLst>
-              <a:ext uri="{FF2B5EF4-FFF2-40B4-BE49-F238E27FC236}">
-                <a16:creationId xmlns:a16="http://schemas.microsoft.com/office/drawing/2014/main" id="{2A2D9B48-9F70-AD3D-9E6C-068CC1899A8B}"/>
-              </a:ext>
-            </a:extLst>
-          </p:cNvPr>
-          <p:cNvPicPr>
-            <a:picLocks noChangeAspect="1"/>
-          </p:cNvPicPr>
-          <p:nvPr/>
-        </p:nvPicPr>
-        <p:blipFill>
-          <a:blip r:embed="rId5" cstate="print">
-            <a:extLst>
-              <a:ext uri="{28A0092B-C50C-407E-A947-70E740481C1C}">
-                <a14:useLocalDpi xmlns:a14="http://schemas.microsoft.com/office/drawing/2010/main" val="0"/>
-              </a:ext>
-            </a:extLst>
-          </a:blip>
-          <a:stretch>
-            <a:fillRect/>
-          </a:stretch>
-        </p:blipFill>
-        <p:spPr>
-          <a:xfrm>
-            <a:off x="1956459" y="101590"/>
-            <a:ext cx="777240" cy="719519"/>
-          </a:xfrm>
-          <a:prstGeom prst="rect">
-            <a:avLst/>
-          </a:prstGeom>
-        </p:spPr>
-      </p:pic>
-      <p:pic>
-        <p:nvPicPr>
-          <p:cNvPr id="13" name="Picture 12">
-            <a:extLst>
-              <a:ext uri="{FF2B5EF4-FFF2-40B4-BE49-F238E27FC236}">
-                <a16:creationId xmlns:a16="http://schemas.microsoft.com/office/drawing/2014/main" id="{2BEA043B-94D9-0CCC-1E94-0FD8751BDC29}"/>
-              </a:ext>
-            </a:extLst>
-          </p:cNvPr>
-          <p:cNvPicPr>
-            <a:picLocks noChangeAspect="1"/>
-          </p:cNvPicPr>
-          <p:nvPr/>
-        </p:nvPicPr>
-        <p:blipFill>
-          <a:blip r:embed="rId6" cstate="print">
-            <a:extLst>
-              <a:ext uri="{28A0092B-C50C-407E-A947-70E740481C1C}">
-                <a14:useLocalDpi xmlns:a14="http://schemas.microsoft.com/office/drawing/2010/main" val="0"/>
-              </a:ext>
-            </a:extLst>
-          </a:blip>
-          <a:stretch>
-            <a:fillRect/>
-          </a:stretch>
-        </p:blipFill>
-        <p:spPr>
-          <a:xfrm>
-            <a:off x="8168123" y="43869"/>
-            <a:ext cx="928688" cy="792433"/>
-          </a:xfrm>
-          <a:prstGeom prst="rect">
-            <a:avLst/>
-          </a:prstGeom>
-        </p:spPr>
-      </p:pic>
-      <p:pic>
-        <p:nvPicPr>
-          <p:cNvPr id="14" name="Picture 13">
-            <a:extLst>
-              <a:ext uri="{FF2B5EF4-FFF2-40B4-BE49-F238E27FC236}">
-                <a16:creationId xmlns:a16="http://schemas.microsoft.com/office/drawing/2014/main" id="{ECFDBA22-4ACA-383D-D51E-F25BE6BD4667}"/>
-              </a:ext>
-            </a:extLst>
-          </p:cNvPr>
-          <p:cNvPicPr>
-            <a:picLocks noChangeAspect="1"/>
-          </p:cNvPicPr>
-          <p:nvPr/>
-        </p:nvPicPr>
-        <p:blipFill>
-          <a:blip r:embed="rId7" cstate="print">
-            <a:extLst>
-              <a:ext uri="{28A0092B-C50C-407E-A947-70E740481C1C}">
-                <a14:useLocalDpi xmlns:a14="http://schemas.microsoft.com/office/drawing/2010/main" val="0"/>
-              </a:ext>
-            </a:extLst>
-          </a:blip>
-          <a:stretch>
-            <a:fillRect/>
-          </a:stretch>
-        </p:blipFill>
-        <p:spPr>
-          <a:xfrm>
-            <a:off x="0" y="4833681"/>
-            <a:ext cx="2971800" cy="1478471"/>
-          </a:xfrm>
-          <a:prstGeom prst="rect">
-            <a:avLst/>
-          </a:prstGeom>
-        </p:spPr>
-      </p:pic>
-      <p:sp>
-        <p:nvSpPr>
-          <p:cNvPr id="3" name="TextBox 2">
-            <a:extLst>
-              <a:ext uri="{FF2B5EF4-FFF2-40B4-BE49-F238E27FC236}">
-                <a16:creationId xmlns:a16="http://schemas.microsoft.com/office/drawing/2014/main" id="{6A033E80-6D27-47AD-D4CE-958FBEFE5A55}"/>
-              </a:ext>
-            </a:extLst>
-          </p:cNvPr>
-          <p:cNvSpPr txBox="1"/>
-          <p:nvPr/>
-        </p:nvSpPr>
-        <p:spPr>
-          <a:xfrm>
-            <a:off x="1766170" y="6319521"/>
-            <a:ext cx="5471160" cy="482953"/>
-          </a:xfrm>
-          <a:prstGeom prst="rect">
-            <a:avLst/>
-          </a:prstGeom>
-          <a:noFill/>
-        </p:spPr>
-        <p:txBody>
-          <a:bodyPr wrap="square" rtlCol="0">
-            <a:spAutoFit/>
-          </a:bodyPr>
-          <a:lstStyle/>
-          <a:p>
-            <a:pPr algn="ctr">
-              <a:lnSpc>
-                <a:spcPct val="150000"/>
-              </a:lnSpc>
-            </a:pPr>
-            <a:r>
-              <a:rPr lang="en-US" sz="900" b="1" dirty="0">
-                <a:latin typeface="Times New Roman" pitchFamily="18" charset="0"/>
-                <a:cs typeface="Times New Roman" pitchFamily="18" charset="0"/>
-              </a:rPr>
-              <a:t>International Conference on Smart Computing, Communication and Automation (ICSCCA), 2K25</a:t>
-            </a:r>
-          </a:p>
-          <a:p>
-            <a:pPr algn="ctr">
-              <a:lnSpc>
-                <a:spcPct val="150000"/>
-              </a:lnSpc>
-            </a:pPr>
-            <a:r>
-              <a:rPr lang="en-US" sz="900" b="1" dirty="0">
-                <a:latin typeface="Times New Roman" pitchFamily="18" charset="0"/>
-                <a:cs typeface="Times New Roman" pitchFamily="18" charset="0"/>
-              </a:rPr>
-              <a:t>Organized by , Budge Budge Institute of Technology,  </a:t>
-            </a:r>
-            <a:r>
-              <a:rPr lang="en-US" sz="900" b="1" dirty="0" err="1">
-                <a:latin typeface="Times New Roman" pitchFamily="18" charset="0"/>
-                <a:cs typeface="Times New Roman" pitchFamily="18" charset="0"/>
-              </a:rPr>
-              <a:t>Nischintapur</a:t>
-            </a:r>
-            <a:r>
-              <a:rPr lang="en-US" sz="900" b="1" dirty="0">
-                <a:latin typeface="Times New Roman" pitchFamily="18" charset="0"/>
-                <a:cs typeface="Times New Roman" pitchFamily="18" charset="0"/>
-              </a:rPr>
-              <a:t>, Budge Budge, India.</a:t>
-            </a:r>
-            <a:endParaRPr lang="en-US" sz="700" b="1" dirty="0">
-              <a:latin typeface="Times New Roman" pitchFamily="18" charset="0"/>
-              <a:cs typeface="Times New Roman" pitchFamily="18" charset="0"/>
-            </a:endParaRPr>
+      <p:sp>
+        <p:nvSpPr>
+          <p:cNvPr id="4" name="Footer Placeholder 3"/>
+          <p:cNvSpPr>
+            <a:spLocks noGrp="1"/>
+          </p:cNvSpPr>
+          <p:nvPr>
+            <p:ph type="ftr" sz="quarter" idx="11"/>
+          </p:nvPr>
+        </p:nvSpPr>
+        <p:spPr/>
+        <p:txBody>
+          <a:bodyPr/>
+          <a:lstStyle/>
+          <a:p>
+            <a:r>
+              <a:rPr lang="en-GB" dirty="0" smtClean="0"/>
+              <a:t>International Conference on Advances in Intelligent Computing and Communication Technology (AICCT), 2K25</a:t>
+            </a:r>
+            <a:endParaRPr lang="en-US" dirty="0"/>
           </a:p>
         </p:txBody>
       </p:sp>
@@ -5736,6 +5076,29 @@
               </a:rPr>
               <a:t>The entire PPT should be well-organized. Try to include figures, flowcharts and graphical representation instead of unnecessary long text to keep the PPT concise and easily understandable.</a:t>
             </a:r>
+          </a:p>
+        </p:txBody>
+      </p:sp>
+      <p:sp>
+        <p:nvSpPr>
+          <p:cNvPr id="3" name="Footer Placeholder 2"/>
+          <p:cNvSpPr>
+            <a:spLocks noGrp="1"/>
+          </p:cNvSpPr>
+          <p:nvPr>
+            <p:ph type="ftr" sz="quarter" idx="11"/>
+          </p:nvPr>
+        </p:nvSpPr>
+        <p:spPr/>
+        <p:txBody>
+          <a:bodyPr/>
+          <a:lstStyle/>
+          <a:p>
+            <a:r>
+              <a:rPr lang="en-GB" smtClean="0"/>
+              <a:t>International Conference on Advances in Intelligent Computing and Communication Technology (AICCT), 2K25</a:t>
+            </a:r>
+            <a:endParaRPr lang="en-US"/>
           </a:p>
         </p:txBody>
       </p:sp>
@@ -5893,10 +5256,10 @@
       </p:sp>
       <p:pic>
         <p:nvPicPr>
-          <p:cNvPr id="11" name="Picture 10">
+          <p:cNvPr id="14" name="Picture 13">
             <a:extLst>
               <a:ext uri="{FF2B5EF4-FFF2-40B4-BE49-F238E27FC236}">
-                <a16:creationId xmlns:a16="http://schemas.microsoft.com/office/drawing/2014/main" id="{433E9B34-7705-6C46-4916-F1043121CCF6}"/>
+                <a16:creationId xmlns:a16="http://schemas.microsoft.com/office/drawing/2014/main" id="{41B4C785-FC0F-BB13-C853-741693D35C22}"/>
               </a:ext>
             </a:extLst>
           </p:cNvPr>
@@ -5919,8 +5282,8 @@
         </p:blipFill>
         <p:spPr>
           <a:xfrm>
-            <a:off x="-4916" y="28545"/>
-            <a:ext cx="1115103" cy="850285"/>
+            <a:off x="7848600" y="43869"/>
+            <a:ext cx="1180083" cy="1099131"/>
           </a:xfrm>
           <a:prstGeom prst="rect">
             <a:avLst/>
@@ -5929,10 +5292,10 @@
       </p:pic>
       <p:pic>
         <p:nvPicPr>
-          <p:cNvPr id="12" name="Picture 11">
+          <p:cNvPr id="15" name="Picture 14">
             <a:extLst>
               <a:ext uri="{FF2B5EF4-FFF2-40B4-BE49-F238E27FC236}">
-                <a16:creationId xmlns:a16="http://schemas.microsoft.com/office/drawing/2014/main" id="{DCAA7099-CD9C-FF15-7803-73B5B09E5592}"/>
+                <a16:creationId xmlns:a16="http://schemas.microsoft.com/office/drawing/2014/main" id="{A8779DF2-C497-366F-5A80-67AF0D0BA0B1}"/>
               </a:ext>
             </a:extLst>
           </p:cNvPr>
@@ -5955,194 +5318,39 @@
         </p:blipFill>
         <p:spPr>
           <a:xfrm>
-            <a:off x="915040" y="43869"/>
-            <a:ext cx="930658" cy="777240"/>
+            <a:off x="283010" y="4798681"/>
+            <a:ext cx="1478471" cy="1478471"/>
           </a:xfrm>
           <a:prstGeom prst="rect">
             <a:avLst/>
           </a:prstGeom>
         </p:spPr>
       </p:pic>
-      <p:pic>
-        <p:nvPicPr>
-          <p:cNvPr id="13" name="Picture 12">
-            <a:extLst>
-              <a:ext uri="{FF2B5EF4-FFF2-40B4-BE49-F238E27FC236}">
-                <a16:creationId xmlns:a16="http://schemas.microsoft.com/office/drawing/2014/main" id="{4EA58243-EEA6-E5AE-A2A7-6CE3FC3BBE86}"/>
-              </a:ext>
-            </a:extLst>
-          </p:cNvPr>
-          <p:cNvPicPr>
-            <a:picLocks noChangeAspect="1"/>
-          </p:cNvPicPr>
-          <p:nvPr/>
-        </p:nvPicPr>
-        <p:blipFill>
-          <a:blip r:embed="rId5" cstate="print">
-            <a:extLst>
-              <a:ext uri="{28A0092B-C50C-407E-A947-70E740481C1C}">
-                <a14:useLocalDpi xmlns:a14="http://schemas.microsoft.com/office/drawing/2010/main" val="0"/>
-              </a:ext>
-            </a:extLst>
-          </a:blip>
-          <a:stretch>
-            <a:fillRect/>
-          </a:stretch>
-        </p:blipFill>
-        <p:spPr>
-          <a:xfrm>
-            <a:off x="1956459" y="101590"/>
-            <a:ext cx="777240" cy="719519"/>
-          </a:xfrm>
-          <a:prstGeom prst="rect">
-            <a:avLst/>
-          </a:prstGeom>
-        </p:spPr>
-      </p:pic>
-      <p:pic>
-        <p:nvPicPr>
-          <p:cNvPr id="14" name="Picture 13">
-            <a:extLst>
-              <a:ext uri="{FF2B5EF4-FFF2-40B4-BE49-F238E27FC236}">
-                <a16:creationId xmlns:a16="http://schemas.microsoft.com/office/drawing/2014/main" id="{41B4C785-FC0F-BB13-C853-741693D35C22}"/>
-              </a:ext>
-            </a:extLst>
-          </p:cNvPr>
-          <p:cNvPicPr>
-            <a:picLocks noChangeAspect="1"/>
-          </p:cNvPicPr>
-          <p:nvPr/>
-        </p:nvPicPr>
-        <p:blipFill>
-          <a:blip r:embed="rId6" cstate="print">
-            <a:extLst>
-              <a:ext uri="{28A0092B-C50C-407E-A947-70E740481C1C}">
-                <a14:useLocalDpi xmlns:a14="http://schemas.microsoft.com/office/drawing/2010/main" val="0"/>
-              </a:ext>
-            </a:extLst>
-          </a:blip>
-          <a:stretch>
-            <a:fillRect/>
-          </a:stretch>
-        </p:blipFill>
-        <p:spPr>
-          <a:xfrm>
-            <a:off x="8168123" y="43869"/>
-            <a:ext cx="928688" cy="792433"/>
-          </a:xfrm>
-          <a:prstGeom prst="rect">
-            <a:avLst/>
-          </a:prstGeom>
-        </p:spPr>
-      </p:pic>
-      <p:pic>
-        <p:nvPicPr>
-          <p:cNvPr id="15" name="Picture 14">
-            <a:extLst>
-              <a:ext uri="{FF2B5EF4-FFF2-40B4-BE49-F238E27FC236}">
-                <a16:creationId xmlns:a16="http://schemas.microsoft.com/office/drawing/2014/main" id="{A8779DF2-C497-366F-5A80-67AF0D0BA0B1}"/>
-              </a:ext>
-            </a:extLst>
-          </p:cNvPr>
-          <p:cNvPicPr>
-            <a:picLocks noChangeAspect="1"/>
-          </p:cNvPicPr>
-          <p:nvPr/>
-        </p:nvPicPr>
-        <p:blipFill>
-          <a:blip r:embed="rId7" cstate="print">
-            <a:extLst>
-              <a:ext uri="{28A0092B-C50C-407E-A947-70E740481C1C}">
-                <a14:useLocalDpi xmlns:a14="http://schemas.microsoft.com/office/drawing/2010/main" val="0"/>
-              </a:ext>
-            </a:extLst>
-          </a:blip>
-          <a:stretch>
-            <a:fillRect/>
-          </a:stretch>
-        </p:blipFill>
-        <p:spPr>
-          <a:xfrm>
-            <a:off x="0" y="4833681"/>
-            <a:ext cx="2971800" cy="1478471"/>
-          </a:xfrm>
-          <a:prstGeom prst="rect">
-            <a:avLst/>
-          </a:prstGeom>
-        </p:spPr>
-      </p:pic>
-      <p:sp>
-        <p:nvSpPr>
-          <p:cNvPr id="2" name="TextBox 1">
-            <a:extLst>
-              <a:ext uri="{FF2B5EF4-FFF2-40B4-BE49-F238E27FC236}">
-                <a16:creationId xmlns:a16="http://schemas.microsoft.com/office/drawing/2014/main" id="{B43963C3-61B8-0A2E-7CDB-2F31D6A3528D}"/>
-              </a:ext>
-            </a:extLst>
-          </p:cNvPr>
-          <p:cNvSpPr txBox="1"/>
-          <p:nvPr/>
-        </p:nvSpPr>
-        <p:spPr>
-          <a:xfrm>
-            <a:off x="1766170" y="6319521"/>
-            <a:ext cx="5471160" cy="482953"/>
-          </a:xfrm>
-          <a:prstGeom prst="rect">
-            <a:avLst/>
-          </a:prstGeom>
-          <a:noFill/>
-        </p:spPr>
-        <p:txBody>
-          <a:bodyPr wrap="square" rtlCol="0">
-            <a:spAutoFit/>
-          </a:bodyPr>
-          <a:lstStyle/>
-          <a:p>
-            <a:pPr algn="ctr">
-              <a:lnSpc>
-                <a:spcPct val="150000"/>
-              </a:lnSpc>
-            </a:pPr>
-            <a:r>
-              <a:rPr lang="en-US" sz="900" b="1" dirty="0">
-                <a:latin typeface="Times New Roman" pitchFamily="18" charset="0"/>
-                <a:cs typeface="Times New Roman" pitchFamily="18" charset="0"/>
-              </a:rPr>
-              <a:t>International Conference on Smart Computing, Communication and Automation (ICSCCA), 2K25</a:t>
-            </a:r>
-          </a:p>
-          <a:p>
-            <a:pPr algn="ctr">
-              <a:lnSpc>
-                <a:spcPct val="150000"/>
-              </a:lnSpc>
-            </a:pPr>
-            <a:r>
-              <a:rPr lang="en-US" sz="900" b="1" dirty="0">
-                <a:latin typeface="Times New Roman" pitchFamily="18" charset="0"/>
-                <a:cs typeface="Times New Roman" pitchFamily="18" charset="0"/>
-              </a:rPr>
-              <a:t>Organized by , Budge Budge Institute of Technology,  </a:t>
-            </a:r>
-            <a:r>
-              <a:rPr lang="en-US" sz="900" b="1" dirty="0" err="1">
-                <a:latin typeface="Times New Roman" pitchFamily="18" charset="0"/>
-                <a:cs typeface="Times New Roman" pitchFamily="18" charset="0"/>
-              </a:rPr>
-              <a:t>Nischintapur</a:t>
-            </a:r>
-            <a:r>
-              <a:rPr lang="en-US" sz="900" b="1" dirty="0">
-                <a:latin typeface="Times New Roman" pitchFamily="18" charset="0"/>
-                <a:cs typeface="Times New Roman" pitchFamily="18" charset="0"/>
-              </a:rPr>
-              <a:t>, Budge Budge, India.</a:t>
-            </a:r>
-            <a:endParaRPr lang="en-US" sz="700" b="1" dirty="0">
-              <a:latin typeface="Times New Roman" pitchFamily="18" charset="0"/>
-              <a:cs typeface="Times New Roman" pitchFamily="18" charset="0"/>
-            </a:endParaRPr>
+      <p:sp>
+        <p:nvSpPr>
+          <p:cNvPr id="3" name="Footer Placeholder 2"/>
+          <p:cNvSpPr>
+            <a:spLocks noGrp="1"/>
+          </p:cNvSpPr>
+          <p:nvPr>
+            <p:ph type="ftr" sz="quarter" idx="11"/>
+          </p:nvPr>
+        </p:nvSpPr>
+        <p:spPr>
+          <a:xfrm>
+            <a:off x="152400" y="6356350"/>
+            <a:ext cx="6934200" cy="365125"/>
+          </a:xfrm>
+        </p:spPr>
+        <p:txBody>
+          <a:bodyPr/>
+          <a:lstStyle/>
+          <a:p>
+            <a:r>
+              <a:rPr lang="en-GB" dirty="0" smtClean="0"/>
+              <a:t>International Conference on Advances in Intelligent Computing and Communication Technology (AICCT), 2K25</a:t>
+            </a:r>
+            <a:endParaRPr lang="en-US" dirty="0"/>
           </a:p>
         </p:txBody>
       </p:sp>
@@ -6156,6 +5364,13 @@
   <p:clrMapOvr>
     <a:masterClrMapping/>
   </p:clrMapOvr>
+  <p:timing>
+    <p:tnLst>
+      <p:par>
+        <p:cTn id="1" dur="indefinite" restart="never" nodeType="tmRoot"/>
+      </p:par>
+    </p:tnLst>
+  </p:timing>
 </p:sld>
 </file>
 
@@ -6300,10 +5515,10 @@
       </p:sp>
       <p:pic>
         <p:nvPicPr>
-          <p:cNvPr id="11" name="Picture 10">
+          <p:cNvPr id="14" name="Picture 13">
             <a:extLst>
               <a:ext uri="{FF2B5EF4-FFF2-40B4-BE49-F238E27FC236}">
-                <a16:creationId xmlns:a16="http://schemas.microsoft.com/office/drawing/2014/main" id="{AA801167-1EEB-94D8-B881-1DC319E72D2C}"/>
+                <a16:creationId xmlns:a16="http://schemas.microsoft.com/office/drawing/2014/main" id="{BA5FC0EB-AE21-D7DC-B2C6-CF2685FCA386}"/>
               </a:ext>
             </a:extLst>
           </p:cNvPr>
@@ -6313,7 +5528,7 @@
           <p:nvPr/>
         </p:nvPicPr>
         <p:blipFill>
-          <a:blip r:embed="rId3" cstate="print">
+          <a:blip r:embed="rId3">
             <a:extLst>
               <a:ext uri="{28A0092B-C50C-407E-A947-70E740481C1C}">
                 <a14:useLocalDpi xmlns:a14="http://schemas.microsoft.com/office/drawing/2010/main" val="0"/>
@@ -6326,8 +5541,8 @@
         </p:blipFill>
         <p:spPr>
           <a:xfrm>
-            <a:off x="-4916" y="28545"/>
-            <a:ext cx="1115103" cy="850285"/>
+            <a:off x="7924800" y="43869"/>
+            <a:ext cx="1103883" cy="1099131"/>
           </a:xfrm>
           <a:prstGeom prst="rect">
             <a:avLst/>
@@ -6336,10 +5551,10 @@
       </p:pic>
       <p:pic>
         <p:nvPicPr>
-          <p:cNvPr id="12" name="Picture 11">
+          <p:cNvPr id="15" name="Picture 14">
             <a:extLst>
               <a:ext uri="{FF2B5EF4-FFF2-40B4-BE49-F238E27FC236}">
-                <a16:creationId xmlns:a16="http://schemas.microsoft.com/office/drawing/2014/main" id="{E490CF33-B5E3-10B6-1726-EF7232BF3A89}"/>
+                <a16:creationId xmlns:a16="http://schemas.microsoft.com/office/drawing/2014/main" id="{91539609-D258-06EB-528D-1DA21FFDEF46}"/>
               </a:ext>
             </a:extLst>
           </p:cNvPr>
@@ -6362,194 +5577,39 @@
         </p:blipFill>
         <p:spPr>
           <a:xfrm>
-            <a:off x="915040" y="43869"/>
-            <a:ext cx="930658" cy="777240"/>
+            <a:off x="746664" y="4833681"/>
+            <a:ext cx="1478471" cy="1478471"/>
           </a:xfrm>
           <a:prstGeom prst="rect">
             <a:avLst/>
           </a:prstGeom>
         </p:spPr>
       </p:pic>
-      <p:pic>
-        <p:nvPicPr>
-          <p:cNvPr id="13" name="Picture 12">
-            <a:extLst>
-              <a:ext uri="{FF2B5EF4-FFF2-40B4-BE49-F238E27FC236}">
-                <a16:creationId xmlns:a16="http://schemas.microsoft.com/office/drawing/2014/main" id="{3A27B7B7-5F5D-27EB-2703-B99AD4117427}"/>
-              </a:ext>
-            </a:extLst>
-          </p:cNvPr>
-          <p:cNvPicPr>
-            <a:picLocks noChangeAspect="1"/>
-          </p:cNvPicPr>
-          <p:nvPr/>
-        </p:nvPicPr>
-        <p:blipFill>
-          <a:blip r:embed="rId5" cstate="print">
-            <a:extLst>
-              <a:ext uri="{28A0092B-C50C-407E-A947-70E740481C1C}">
-                <a14:useLocalDpi xmlns:a14="http://schemas.microsoft.com/office/drawing/2010/main" val="0"/>
-              </a:ext>
-            </a:extLst>
-          </a:blip>
-          <a:stretch>
-            <a:fillRect/>
-          </a:stretch>
-        </p:blipFill>
-        <p:spPr>
-          <a:xfrm>
-            <a:off x="1956459" y="101590"/>
-            <a:ext cx="777240" cy="719519"/>
-          </a:xfrm>
-          <a:prstGeom prst="rect">
-            <a:avLst/>
-          </a:prstGeom>
-        </p:spPr>
-      </p:pic>
-      <p:pic>
-        <p:nvPicPr>
-          <p:cNvPr id="14" name="Picture 13">
-            <a:extLst>
-              <a:ext uri="{FF2B5EF4-FFF2-40B4-BE49-F238E27FC236}">
-                <a16:creationId xmlns:a16="http://schemas.microsoft.com/office/drawing/2014/main" id="{BA5FC0EB-AE21-D7DC-B2C6-CF2685FCA386}"/>
-              </a:ext>
-            </a:extLst>
-          </p:cNvPr>
-          <p:cNvPicPr>
-            <a:picLocks noChangeAspect="1"/>
-          </p:cNvPicPr>
-          <p:nvPr/>
-        </p:nvPicPr>
-        <p:blipFill>
-          <a:blip r:embed="rId6" cstate="print">
-            <a:extLst>
-              <a:ext uri="{28A0092B-C50C-407E-A947-70E740481C1C}">
-                <a14:useLocalDpi xmlns:a14="http://schemas.microsoft.com/office/drawing/2010/main" val="0"/>
-              </a:ext>
-            </a:extLst>
-          </a:blip>
-          <a:stretch>
-            <a:fillRect/>
-          </a:stretch>
-        </p:blipFill>
-        <p:spPr>
-          <a:xfrm>
-            <a:off x="8168123" y="43869"/>
-            <a:ext cx="928688" cy="792433"/>
-          </a:xfrm>
-          <a:prstGeom prst="rect">
-            <a:avLst/>
-          </a:prstGeom>
-        </p:spPr>
-      </p:pic>
-      <p:pic>
-        <p:nvPicPr>
-          <p:cNvPr id="15" name="Picture 14">
-            <a:extLst>
-              <a:ext uri="{FF2B5EF4-FFF2-40B4-BE49-F238E27FC236}">
-                <a16:creationId xmlns:a16="http://schemas.microsoft.com/office/drawing/2014/main" id="{91539609-D258-06EB-528D-1DA21FFDEF46}"/>
-              </a:ext>
-            </a:extLst>
-          </p:cNvPr>
-          <p:cNvPicPr>
-            <a:picLocks noChangeAspect="1"/>
-          </p:cNvPicPr>
-          <p:nvPr/>
-        </p:nvPicPr>
-        <p:blipFill>
-          <a:blip r:embed="rId7" cstate="print">
-            <a:extLst>
-              <a:ext uri="{28A0092B-C50C-407E-A947-70E740481C1C}">
-                <a14:useLocalDpi xmlns:a14="http://schemas.microsoft.com/office/drawing/2010/main" val="0"/>
-              </a:ext>
-            </a:extLst>
-          </a:blip>
-          <a:stretch>
-            <a:fillRect/>
-          </a:stretch>
-        </p:blipFill>
-        <p:spPr>
-          <a:xfrm>
-            <a:off x="0" y="4833681"/>
-            <a:ext cx="2971800" cy="1478471"/>
-          </a:xfrm>
-          <a:prstGeom prst="rect">
-            <a:avLst/>
-          </a:prstGeom>
-        </p:spPr>
-      </p:pic>
-      <p:sp>
-        <p:nvSpPr>
-          <p:cNvPr id="2" name="TextBox 1">
-            <a:extLst>
-              <a:ext uri="{FF2B5EF4-FFF2-40B4-BE49-F238E27FC236}">
-                <a16:creationId xmlns:a16="http://schemas.microsoft.com/office/drawing/2014/main" id="{13A785D9-A3E7-63CB-6066-38B1DE90C5BE}"/>
-              </a:ext>
-            </a:extLst>
-          </p:cNvPr>
-          <p:cNvSpPr txBox="1"/>
-          <p:nvPr/>
-        </p:nvSpPr>
-        <p:spPr>
-          <a:xfrm>
-            <a:off x="1766170" y="6319521"/>
-            <a:ext cx="5471160" cy="482953"/>
-          </a:xfrm>
-          <a:prstGeom prst="rect">
-            <a:avLst/>
-          </a:prstGeom>
-          <a:noFill/>
-        </p:spPr>
-        <p:txBody>
-          <a:bodyPr wrap="square" rtlCol="0">
-            <a:spAutoFit/>
-          </a:bodyPr>
-          <a:lstStyle/>
-          <a:p>
-            <a:pPr algn="ctr">
-              <a:lnSpc>
-                <a:spcPct val="150000"/>
-              </a:lnSpc>
-            </a:pPr>
-            <a:r>
-              <a:rPr lang="en-US" sz="900" b="1" dirty="0">
-                <a:latin typeface="Times New Roman" pitchFamily="18" charset="0"/>
-                <a:cs typeface="Times New Roman" pitchFamily="18" charset="0"/>
-              </a:rPr>
-              <a:t>International Conference on Smart Computing, Communication and Automation (ICSCCA), 2K25</a:t>
-            </a:r>
-          </a:p>
-          <a:p>
-            <a:pPr algn="ctr">
-              <a:lnSpc>
-                <a:spcPct val="150000"/>
-              </a:lnSpc>
-            </a:pPr>
-            <a:r>
-              <a:rPr lang="en-US" sz="900" b="1" dirty="0">
-                <a:latin typeface="Times New Roman" pitchFamily="18" charset="0"/>
-                <a:cs typeface="Times New Roman" pitchFamily="18" charset="0"/>
-              </a:rPr>
-              <a:t>Organized by , Budge Budge Institute of Technology,  </a:t>
-            </a:r>
-            <a:r>
-              <a:rPr lang="en-US" sz="900" b="1" dirty="0" err="1">
-                <a:latin typeface="Times New Roman" pitchFamily="18" charset="0"/>
-                <a:cs typeface="Times New Roman" pitchFamily="18" charset="0"/>
-              </a:rPr>
-              <a:t>Nischintapur</a:t>
-            </a:r>
-            <a:r>
-              <a:rPr lang="en-US" sz="900" b="1" dirty="0">
-                <a:latin typeface="Times New Roman" pitchFamily="18" charset="0"/>
-                <a:cs typeface="Times New Roman" pitchFamily="18" charset="0"/>
-              </a:rPr>
-              <a:t>, Budge Budge, India.</a:t>
-            </a:r>
-            <a:endParaRPr lang="en-US" sz="700" b="1" dirty="0">
-              <a:latin typeface="Times New Roman" pitchFamily="18" charset="0"/>
-              <a:cs typeface="Times New Roman" pitchFamily="18" charset="0"/>
-            </a:endParaRPr>
+      <p:sp>
+        <p:nvSpPr>
+          <p:cNvPr id="3" name="Footer Placeholder 2"/>
+          <p:cNvSpPr>
+            <a:spLocks noGrp="1"/>
+          </p:cNvSpPr>
+          <p:nvPr>
+            <p:ph type="ftr" sz="quarter" idx="11"/>
+          </p:nvPr>
+        </p:nvSpPr>
+        <p:spPr>
+          <a:xfrm>
+            <a:off x="609600" y="6356350"/>
+            <a:ext cx="5981700" cy="365125"/>
+          </a:xfrm>
+        </p:spPr>
+        <p:txBody>
+          <a:bodyPr/>
+          <a:lstStyle/>
+          <a:p>
+            <a:r>
+              <a:rPr lang="en-GB" dirty="0" smtClean="0"/>
+              <a:t>International Conference on Advances in Intelligent Computing and Communication Technology (AICCT), 2K25</a:t>
+            </a:r>
+            <a:endParaRPr lang="en-US" dirty="0"/>
           </a:p>
         </p:txBody>
       </p:sp>
@@ -6563,6 +5623,13 @@
   <p:clrMapOvr>
     <a:masterClrMapping/>
   </p:clrMapOvr>
+  <p:timing>
+    <p:tnLst>
+      <p:par>
+        <p:cTn id="1" dur="indefinite" restart="never" nodeType="tmRoot"/>
+      </p:par>
+    </p:tnLst>
+  </p:timing>
 </p:sld>
 </file>
 
@@ -6707,10 +5774,10 @@
       </p:sp>
       <p:pic>
         <p:nvPicPr>
-          <p:cNvPr id="11" name="Picture 10">
+          <p:cNvPr id="14" name="Picture 13">
             <a:extLst>
               <a:ext uri="{FF2B5EF4-FFF2-40B4-BE49-F238E27FC236}">
-                <a16:creationId xmlns:a16="http://schemas.microsoft.com/office/drawing/2014/main" id="{7CAE04B4-4F28-8F25-9C3D-D181161E8376}"/>
+                <a16:creationId xmlns:a16="http://schemas.microsoft.com/office/drawing/2014/main" id="{ADE602B1-F44F-0A8F-87ED-CFEE4DE95235}"/>
               </a:ext>
             </a:extLst>
           </p:cNvPr>
@@ -6720,7 +5787,7 @@
           <p:nvPr/>
         </p:nvPicPr>
         <p:blipFill>
-          <a:blip r:embed="rId3" cstate="print">
+          <a:blip r:embed="rId3">
             <a:extLst>
               <a:ext uri="{28A0092B-C50C-407E-A947-70E740481C1C}">
                 <a14:useLocalDpi xmlns:a14="http://schemas.microsoft.com/office/drawing/2010/main" val="0"/>
@@ -6733,8 +5800,8 @@
         </p:blipFill>
         <p:spPr>
           <a:xfrm>
-            <a:off x="-4916" y="28545"/>
-            <a:ext cx="1115103" cy="850285"/>
+            <a:off x="7848600" y="43869"/>
+            <a:ext cx="1180083" cy="1033196"/>
           </a:xfrm>
           <a:prstGeom prst="rect">
             <a:avLst/>
@@ -6743,10 +5810,10 @@
       </p:pic>
       <p:pic>
         <p:nvPicPr>
-          <p:cNvPr id="12" name="Picture 11">
+          <p:cNvPr id="15" name="Picture 14">
             <a:extLst>
               <a:ext uri="{FF2B5EF4-FFF2-40B4-BE49-F238E27FC236}">
-                <a16:creationId xmlns:a16="http://schemas.microsoft.com/office/drawing/2014/main" id="{1397AE17-71D9-22CC-9D77-FE40F782C293}"/>
+                <a16:creationId xmlns:a16="http://schemas.microsoft.com/office/drawing/2014/main" id="{E7000E72-826F-C5D4-A782-B0EC28563CBA}"/>
               </a:ext>
             </a:extLst>
           </p:cNvPr>
@@ -6769,194 +5836,34 @@
         </p:blipFill>
         <p:spPr>
           <a:xfrm>
-            <a:off x="915040" y="43869"/>
-            <a:ext cx="930658" cy="777240"/>
+            <a:off x="746664" y="4833681"/>
+            <a:ext cx="1478471" cy="1478471"/>
           </a:xfrm>
           <a:prstGeom prst="rect">
             <a:avLst/>
           </a:prstGeom>
         </p:spPr>
       </p:pic>
-      <p:pic>
-        <p:nvPicPr>
-          <p:cNvPr id="13" name="Picture 12">
-            <a:extLst>
-              <a:ext uri="{FF2B5EF4-FFF2-40B4-BE49-F238E27FC236}">
-                <a16:creationId xmlns:a16="http://schemas.microsoft.com/office/drawing/2014/main" id="{D156CDE9-D5E5-7524-2960-BE23928852D0}"/>
-              </a:ext>
-            </a:extLst>
-          </p:cNvPr>
-          <p:cNvPicPr>
-            <a:picLocks noChangeAspect="1"/>
-          </p:cNvPicPr>
-          <p:nvPr/>
-        </p:nvPicPr>
-        <p:blipFill>
-          <a:blip r:embed="rId5" cstate="print">
-            <a:extLst>
-              <a:ext uri="{28A0092B-C50C-407E-A947-70E740481C1C}">
-                <a14:useLocalDpi xmlns:a14="http://schemas.microsoft.com/office/drawing/2010/main" val="0"/>
-              </a:ext>
-            </a:extLst>
-          </a:blip>
-          <a:stretch>
-            <a:fillRect/>
-          </a:stretch>
-        </p:blipFill>
-        <p:spPr>
-          <a:xfrm>
-            <a:off x="1956459" y="101590"/>
-            <a:ext cx="777240" cy="719519"/>
-          </a:xfrm>
-          <a:prstGeom prst="rect">
-            <a:avLst/>
-          </a:prstGeom>
-        </p:spPr>
-      </p:pic>
-      <p:pic>
-        <p:nvPicPr>
-          <p:cNvPr id="14" name="Picture 13">
-            <a:extLst>
-              <a:ext uri="{FF2B5EF4-FFF2-40B4-BE49-F238E27FC236}">
-                <a16:creationId xmlns:a16="http://schemas.microsoft.com/office/drawing/2014/main" id="{ADE602B1-F44F-0A8F-87ED-CFEE4DE95235}"/>
-              </a:ext>
-            </a:extLst>
-          </p:cNvPr>
-          <p:cNvPicPr>
-            <a:picLocks noChangeAspect="1"/>
-          </p:cNvPicPr>
-          <p:nvPr/>
-        </p:nvPicPr>
-        <p:blipFill>
-          <a:blip r:embed="rId6" cstate="print">
-            <a:extLst>
-              <a:ext uri="{28A0092B-C50C-407E-A947-70E740481C1C}">
-                <a14:useLocalDpi xmlns:a14="http://schemas.microsoft.com/office/drawing/2010/main" val="0"/>
-              </a:ext>
-            </a:extLst>
-          </a:blip>
-          <a:stretch>
-            <a:fillRect/>
-          </a:stretch>
-        </p:blipFill>
-        <p:spPr>
-          <a:xfrm>
-            <a:off x="8168123" y="43869"/>
-            <a:ext cx="928688" cy="792433"/>
-          </a:xfrm>
-          <a:prstGeom prst="rect">
-            <a:avLst/>
-          </a:prstGeom>
-        </p:spPr>
-      </p:pic>
-      <p:pic>
-        <p:nvPicPr>
-          <p:cNvPr id="15" name="Picture 14">
-            <a:extLst>
-              <a:ext uri="{FF2B5EF4-FFF2-40B4-BE49-F238E27FC236}">
-                <a16:creationId xmlns:a16="http://schemas.microsoft.com/office/drawing/2014/main" id="{E7000E72-826F-C5D4-A782-B0EC28563CBA}"/>
-              </a:ext>
-            </a:extLst>
-          </p:cNvPr>
-          <p:cNvPicPr>
-            <a:picLocks noChangeAspect="1"/>
-          </p:cNvPicPr>
-          <p:nvPr/>
-        </p:nvPicPr>
-        <p:blipFill>
-          <a:blip r:embed="rId7" cstate="print">
-            <a:extLst>
-              <a:ext uri="{28A0092B-C50C-407E-A947-70E740481C1C}">
-                <a14:useLocalDpi xmlns:a14="http://schemas.microsoft.com/office/drawing/2010/main" val="0"/>
-              </a:ext>
-            </a:extLst>
-          </a:blip>
-          <a:stretch>
-            <a:fillRect/>
-          </a:stretch>
-        </p:blipFill>
-        <p:spPr>
-          <a:xfrm>
-            <a:off x="0" y="4833681"/>
-            <a:ext cx="2971800" cy="1478471"/>
-          </a:xfrm>
-          <a:prstGeom prst="rect">
-            <a:avLst/>
-          </a:prstGeom>
-        </p:spPr>
-      </p:pic>
-      <p:sp>
-        <p:nvSpPr>
-          <p:cNvPr id="2" name="TextBox 1">
-            <a:extLst>
-              <a:ext uri="{FF2B5EF4-FFF2-40B4-BE49-F238E27FC236}">
-                <a16:creationId xmlns:a16="http://schemas.microsoft.com/office/drawing/2014/main" id="{DF23A317-2A92-5F26-F525-8C74A674979D}"/>
-              </a:ext>
-            </a:extLst>
-          </p:cNvPr>
-          <p:cNvSpPr txBox="1"/>
-          <p:nvPr/>
-        </p:nvSpPr>
-        <p:spPr>
-          <a:xfrm>
-            <a:off x="1766170" y="6319521"/>
-            <a:ext cx="5471160" cy="482953"/>
-          </a:xfrm>
-          <a:prstGeom prst="rect">
-            <a:avLst/>
-          </a:prstGeom>
-          <a:noFill/>
-        </p:spPr>
-        <p:txBody>
-          <a:bodyPr wrap="square" rtlCol="0">
-            <a:spAutoFit/>
-          </a:bodyPr>
-          <a:lstStyle/>
-          <a:p>
-            <a:pPr algn="ctr">
-              <a:lnSpc>
-                <a:spcPct val="150000"/>
-              </a:lnSpc>
-            </a:pPr>
-            <a:r>
-              <a:rPr lang="en-US" sz="900" b="1" dirty="0">
-                <a:latin typeface="Times New Roman" pitchFamily="18" charset="0"/>
-                <a:cs typeface="Times New Roman" pitchFamily="18" charset="0"/>
-              </a:rPr>
-              <a:t>International Conference on Smart Computing, Communication and Automation (ICSCCA), 2K25</a:t>
-            </a:r>
-          </a:p>
-          <a:p>
-            <a:pPr algn="ctr">
-              <a:lnSpc>
-                <a:spcPct val="150000"/>
-              </a:lnSpc>
-            </a:pPr>
-            <a:r>
-              <a:rPr lang="en-US" sz="900" b="1" dirty="0">
-                <a:latin typeface="Times New Roman" pitchFamily="18" charset="0"/>
-                <a:cs typeface="Times New Roman" pitchFamily="18" charset="0"/>
-              </a:rPr>
-              <a:t>Organized by , Budge Budge Institute of Technology,  </a:t>
-            </a:r>
-            <a:r>
-              <a:rPr lang="en-US" sz="900" b="1" dirty="0" err="1">
-                <a:latin typeface="Times New Roman" pitchFamily="18" charset="0"/>
-                <a:cs typeface="Times New Roman" pitchFamily="18" charset="0"/>
-              </a:rPr>
-              <a:t>Nischintapur</a:t>
-            </a:r>
-            <a:r>
-              <a:rPr lang="en-US" sz="900" b="1" dirty="0">
-                <a:latin typeface="Times New Roman" pitchFamily="18" charset="0"/>
-                <a:cs typeface="Times New Roman" pitchFamily="18" charset="0"/>
-              </a:rPr>
-              <a:t>, Budge Budge, India.</a:t>
-            </a:r>
-            <a:endParaRPr lang="en-US" sz="700" b="1" dirty="0">
-              <a:latin typeface="Times New Roman" pitchFamily="18" charset="0"/>
-              <a:cs typeface="Times New Roman" pitchFamily="18" charset="0"/>
-            </a:endParaRPr>
+      <p:sp>
+        <p:nvSpPr>
+          <p:cNvPr id="3" name="Footer Placeholder 2"/>
+          <p:cNvSpPr>
+            <a:spLocks noGrp="1"/>
+          </p:cNvSpPr>
+          <p:nvPr>
+            <p:ph type="ftr" sz="quarter" idx="11"/>
+          </p:nvPr>
+        </p:nvSpPr>
+        <p:spPr/>
+        <p:txBody>
+          <a:bodyPr/>
+          <a:lstStyle/>
+          <a:p>
+            <a:r>
+              <a:rPr lang="en-GB" dirty="0" smtClean="0"/>
+              <a:t>International Conference on Advances in Intelligent Computing and Communication Technology (AICCT), 2K25</a:t>
+            </a:r>
+            <a:endParaRPr lang="en-US" dirty="0"/>
           </a:p>
         </p:txBody>
       </p:sp>
@@ -6970,6 +5877,13 @@
   <p:clrMapOvr>
     <a:masterClrMapping/>
   </p:clrMapOvr>
+  <p:timing>
+    <p:tnLst>
+      <p:par>
+        <p:cTn id="1" dur="indefinite" restart="never" nodeType="tmRoot"/>
+      </p:par>
+    </p:tnLst>
+  </p:timing>
 </p:sld>
 </file>
 
@@ -7114,10 +6028,10 @@
       </p:sp>
       <p:pic>
         <p:nvPicPr>
-          <p:cNvPr id="11" name="Picture 10">
+          <p:cNvPr id="14" name="Picture 13">
             <a:extLst>
               <a:ext uri="{FF2B5EF4-FFF2-40B4-BE49-F238E27FC236}">
-                <a16:creationId xmlns:a16="http://schemas.microsoft.com/office/drawing/2014/main" id="{884D5D6D-C389-260F-B8DB-49F5A3B8D516}"/>
+                <a16:creationId xmlns:a16="http://schemas.microsoft.com/office/drawing/2014/main" id="{5F655845-90A8-904A-7626-D9D54343FABE}"/>
               </a:ext>
             </a:extLst>
           </p:cNvPr>
@@ -7127,7 +6041,7 @@
           <p:nvPr/>
         </p:nvPicPr>
         <p:blipFill>
-          <a:blip r:embed="rId3" cstate="print">
+          <a:blip r:embed="rId3">
             <a:extLst>
               <a:ext uri="{28A0092B-C50C-407E-A947-70E740481C1C}">
                 <a14:useLocalDpi xmlns:a14="http://schemas.microsoft.com/office/drawing/2010/main" val="0"/>
@@ -7140,8 +6054,8 @@
         </p:blipFill>
         <p:spPr>
           <a:xfrm>
-            <a:off x="-4916" y="28545"/>
-            <a:ext cx="1115103" cy="850285"/>
+            <a:off x="7848600" y="43869"/>
+            <a:ext cx="1180083" cy="1022931"/>
           </a:xfrm>
           <a:prstGeom prst="rect">
             <a:avLst/>
@@ -7150,10 +6064,10 @@
       </p:pic>
       <p:pic>
         <p:nvPicPr>
-          <p:cNvPr id="12" name="Picture 11">
+          <p:cNvPr id="15" name="Picture 14">
             <a:extLst>
               <a:ext uri="{FF2B5EF4-FFF2-40B4-BE49-F238E27FC236}">
-                <a16:creationId xmlns:a16="http://schemas.microsoft.com/office/drawing/2014/main" id="{7D01F2FF-9117-21A7-E033-E3515BC85796}"/>
+                <a16:creationId xmlns:a16="http://schemas.microsoft.com/office/drawing/2014/main" id="{EC3B6E2E-2C13-F829-63A7-498AC577DA7E}"/>
               </a:ext>
             </a:extLst>
           </p:cNvPr>
@@ -7176,194 +6090,39 @@
         </p:blipFill>
         <p:spPr>
           <a:xfrm>
-            <a:off x="915040" y="43869"/>
-            <a:ext cx="930658" cy="777240"/>
+            <a:off x="152400" y="4833681"/>
+            <a:ext cx="2072735" cy="1478471"/>
           </a:xfrm>
           <a:prstGeom prst="rect">
             <a:avLst/>
           </a:prstGeom>
         </p:spPr>
       </p:pic>
-      <p:pic>
-        <p:nvPicPr>
-          <p:cNvPr id="13" name="Picture 12">
-            <a:extLst>
-              <a:ext uri="{FF2B5EF4-FFF2-40B4-BE49-F238E27FC236}">
-                <a16:creationId xmlns:a16="http://schemas.microsoft.com/office/drawing/2014/main" id="{4F4CF002-AF19-3F34-74E3-DB3B8203C9FB}"/>
-              </a:ext>
-            </a:extLst>
-          </p:cNvPr>
-          <p:cNvPicPr>
-            <a:picLocks noChangeAspect="1"/>
-          </p:cNvPicPr>
-          <p:nvPr/>
-        </p:nvPicPr>
-        <p:blipFill>
-          <a:blip r:embed="rId5" cstate="print">
-            <a:extLst>
-              <a:ext uri="{28A0092B-C50C-407E-A947-70E740481C1C}">
-                <a14:useLocalDpi xmlns:a14="http://schemas.microsoft.com/office/drawing/2010/main" val="0"/>
-              </a:ext>
-            </a:extLst>
-          </a:blip>
-          <a:stretch>
-            <a:fillRect/>
-          </a:stretch>
-        </p:blipFill>
-        <p:spPr>
-          <a:xfrm>
-            <a:off x="1956459" y="101590"/>
-            <a:ext cx="777240" cy="719519"/>
-          </a:xfrm>
-          <a:prstGeom prst="rect">
-            <a:avLst/>
-          </a:prstGeom>
-        </p:spPr>
-      </p:pic>
-      <p:pic>
-        <p:nvPicPr>
-          <p:cNvPr id="14" name="Picture 13">
-            <a:extLst>
-              <a:ext uri="{FF2B5EF4-FFF2-40B4-BE49-F238E27FC236}">
-                <a16:creationId xmlns:a16="http://schemas.microsoft.com/office/drawing/2014/main" id="{5F655845-90A8-904A-7626-D9D54343FABE}"/>
-              </a:ext>
-            </a:extLst>
-          </p:cNvPr>
-          <p:cNvPicPr>
-            <a:picLocks noChangeAspect="1"/>
-          </p:cNvPicPr>
-          <p:nvPr/>
-        </p:nvPicPr>
-        <p:blipFill>
-          <a:blip r:embed="rId6" cstate="print">
-            <a:extLst>
-              <a:ext uri="{28A0092B-C50C-407E-A947-70E740481C1C}">
-                <a14:useLocalDpi xmlns:a14="http://schemas.microsoft.com/office/drawing/2010/main" val="0"/>
-              </a:ext>
-            </a:extLst>
-          </a:blip>
-          <a:stretch>
-            <a:fillRect/>
-          </a:stretch>
-        </p:blipFill>
-        <p:spPr>
-          <a:xfrm>
-            <a:off x="8168123" y="43869"/>
-            <a:ext cx="928688" cy="792433"/>
-          </a:xfrm>
-          <a:prstGeom prst="rect">
-            <a:avLst/>
-          </a:prstGeom>
-        </p:spPr>
-      </p:pic>
-      <p:pic>
-        <p:nvPicPr>
-          <p:cNvPr id="15" name="Picture 14">
-            <a:extLst>
-              <a:ext uri="{FF2B5EF4-FFF2-40B4-BE49-F238E27FC236}">
-                <a16:creationId xmlns:a16="http://schemas.microsoft.com/office/drawing/2014/main" id="{EC3B6E2E-2C13-F829-63A7-498AC577DA7E}"/>
-              </a:ext>
-            </a:extLst>
-          </p:cNvPr>
-          <p:cNvPicPr>
-            <a:picLocks noChangeAspect="1"/>
-          </p:cNvPicPr>
-          <p:nvPr/>
-        </p:nvPicPr>
-        <p:blipFill>
-          <a:blip r:embed="rId7" cstate="print">
-            <a:extLst>
-              <a:ext uri="{28A0092B-C50C-407E-A947-70E740481C1C}">
-                <a14:useLocalDpi xmlns:a14="http://schemas.microsoft.com/office/drawing/2010/main" val="0"/>
-              </a:ext>
-            </a:extLst>
-          </a:blip>
-          <a:stretch>
-            <a:fillRect/>
-          </a:stretch>
-        </p:blipFill>
-        <p:spPr>
-          <a:xfrm>
-            <a:off x="0" y="4833681"/>
-            <a:ext cx="2971800" cy="1478471"/>
-          </a:xfrm>
-          <a:prstGeom prst="rect">
-            <a:avLst/>
-          </a:prstGeom>
-        </p:spPr>
-      </p:pic>
-      <p:sp>
-        <p:nvSpPr>
-          <p:cNvPr id="2" name="TextBox 1">
-            <a:extLst>
-              <a:ext uri="{FF2B5EF4-FFF2-40B4-BE49-F238E27FC236}">
-                <a16:creationId xmlns:a16="http://schemas.microsoft.com/office/drawing/2014/main" id="{2B5D2D0F-5294-23FC-4F8F-F32FE147463E}"/>
-              </a:ext>
-            </a:extLst>
-          </p:cNvPr>
-          <p:cNvSpPr txBox="1"/>
-          <p:nvPr/>
-        </p:nvSpPr>
-        <p:spPr>
-          <a:xfrm>
-            <a:off x="1766170" y="6319521"/>
-            <a:ext cx="5471160" cy="482953"/>
-          </a:xfrm>
-          <a:prstGeom prst="rect">
-            <a:avLst/>
-          </a:prstGeom>
-          <a:noFill/>
-        </p:spPr>
-        <p:txBody>
-          <a:bodyPr wrap="square" rtlCol="0">
-            <a:spAutoFit/>
-          </a:bodyPr>
-          <a:lstStyle/>
-          <a:p>
-            <a:pPr algn="ctr">
-              <a:lnSpc>
-                <a:spcPct val="150000"/>
-              </a:lnSpc>
-            </a:pPr>
-            <a:r>
-              <a:rPr lang="en-US" sz="900" b="1" dirty="0">
-                <a:latin typeface="Times New Roman" pitchFamily="18" charset="0"/>
-                <a:cs typeface="Times New Roman" pitchFamily="18" charset="0"/>
-              </a:rPr>
-              <a:t>International Conference on Smart Computing, Communication and Automation (ICSCCA), 2K25</a:t>
-            </a:r>
-          </a:p>
-          <a:p>
-            <a:pPr algn="ctr">
-              <a:lnSpc>
-                <a:spcPct val="150000"/>
-              </a:lnSpc>
-            </a:pPr>
-            <a:r>
-              <a:rPr lang="en-US" sz="900" b="1" dirty="0">
-                <a:latin typeface="Times New Roman" pitchFamily="18" charset="0"/>
-                <a:cs typeface="Times New Roman" pitchFamily="18" charset="0"/>
-              </a:rPr>
-              <a:t>Organized by , Budge Budge Institute of Technology,  </a:t>
-            </a:r>
-            <a:r>
-              <a:rPr lang="en-US" sz="900" b="1" dirty="0" err="1">
-                <a:latin typeface="Times New Roman" pitchFamily="18" charset="0"/>
-                <a:cs typeface="Times New Roman" pitchFamily="18" charset="0"/>
-              </a:rPr>
-              <a:t>Nischintapur</a:t>
-            </a:r>
-            <a:r>
-              <a:rPr lang="en-US" sz="900" b="1" dirty="0">
-                <a:latin typeface="Times New Roman" pitchFamily="18" charset="0"/>
-                <a:cs typeface="Times New Roman" pitchFamily="18" charset="0"/>
-              </a:rPr>
-              <a:t>, Budge Budge, India.</a:t>
-            </a:r>
-            <a:endParaRPr lang="en-US" sz="700" b="1" dirty="0">
-              <a:latin typeface="Times New Roman" pitchFamily="18" charset="0"/>
-              <a:cs typeface="Times New Roman" pitchFamily="18" charset="0"/>
-            </a:endParaRPr>
+      <p:sp>
+        <p:nvSpPr>
+          <p:cNvPr id="3" name="Footer Placeholder 2"/>
+          <p:cNvSpPr>
+            <a:spLocks noGrp="1"/>
+          </p:cNvSpPr>
+          <p:nvPr>
+            <p:ph type="ftr" sz="quarter" idx="11"/>
+          </p:nvPr>
+        </p:nvSpPr>
+        <p:spPr>
+          <a:xfrm>
+            <a:off x="381000" y="6356350"/>
+            <a:ext cx="6400800" cy="365125"/>
+          </a:xfrm>
+        </p:spPr>
+        <p:txBody>
+          <a:bodyPr/>
+          <a:lstStyle/>
+          <a:p>
+            <a:r>
+              <a:rPr lang="en-GB" dirty="0" smtClean="0"/>
+              <a:t>International Conference on Advances in Intelligent Computing and Communication Technology (AICCT), 2K25</a:t>
+            </a:r>
+            <a:endParaRPr lang="en-US" dirty="0"/>
           </a:p>
         </p:txBody>
       </p:sp>
@@ -7377,6 +6136,13 @@
   <p:clrMapOvr>
     <a:masterClrMapping/>
   </p:clrMapOvr>
+  <p:timing>
+    <p:tnLst>
+      <p:par>
+        <p:cTn id="1" dur="indefinite" restart="never" nodeType="tmRoot"/>
+      </p:par>
+    </p:tnLst>
+  </p:timing>
 </p:sld>
 </file>
 
@@ -7521,10 +6287,10 @@
       </p:sp>
       <p:pic>
         <p:nvPicPr>
-          <p:cNvPr id="11" name="Picture 10">
+          <p:cNvPr id="14" name="Picture 13">
             <a:extLst>
               <a:ext uri="{FF2B5EF4-FFF2-40B4-BE49-F238E27FC236}">
-                <a16:creationId xmlns:a16="http://schemas.microsoft.com/office/drawing/2014/main" id="{C92537D7-94D3-B234-C04B-F2E7E1D84E6B}"/>
+                <a16:creationId xmlns:a16="http://schemas.microsoft.com/office/drawing/2014/main" id="{BB37FA93-0256-420D-12E3-81CEEE3352EC}"/>
               </a:ext>
             </a:extLst>
           </p:cNvPr>
@@ -7534,7 +6300,7 @@
           <p:nvPr/>
         </p:nvPicPr>
         <p:blipFill>
-          <a:blip r:embed="rId3" cstate="print">
+          <a:blip r:embed="rId3">
             <a:extLst>
               <a:ext uri="{28A0092B-C50C-407E-A947-70E740481C1C}">
                 <a14:useLocalDpi xmlns:a14="http://schemas.microsoft.com/office/drawing/2010/main" val="0"/>
@@ -7547,8 +6313,8 @@
         </p:blipFill>
         <p:spPr>
           <a:xfrm>
-            <a:off x="-4916" y="28545"/>
-            <a:ext cx="1115103" cy="850285"/>
+            <a:off x="7772400" y="43869"/>
+            <a:ext cx="1256283" cy="1022931"/>
           </a:xfrm>
           <a:prstGeom prst="rect">
             <a:avLst/>
@@ -7557,10 +6323,10 @@
       </p:pic>
       <p:pic>
         <p:nvPicPr>
-          <p:cNvPr id="12" name="Picture 11">
+          <p:cNvPr id="15" name="Picture 14">
             <a:extLst>
               <a:ext uri="{FF2B5EF4-FFF2-40B4-BE49-F238E27FC236}">
-                <a16:creationId xmlns:a16="http://schemas.microsoft.com/office/drawing/2014/main" id="{C9991CE0-AF5C-0CB4-12CA-26ABDABE9BA2}"/>
+                <a16:creationId xmlns:a16="http://schemas.microsoft.com/office/drawing/2014/main" id="{D5C08A1B-2CEE-EBAA-32B7-852704FCCB48}"/>
               </a:ext>
             </a:extLst>
           </p:cNvPr>
@@ -7583,194 +6349,34 @@
         </p:blipFill>
         <p:spPr>
           <a:xfrm>
-            <a:off x="915040" y="43869"/>
-            <a:ext cx="930658" cy="777240"/>
+            <a:off x="76200" y="5243004"/>
+            <a:ext cx="1478471" cy="1478471"/>
           </a:xfrm>
           <a:prstGeom prst="rect">
             <a:avLst/>
           </a:prstGeom>
         </p:spPr>
       </p:pic>
-      <p:pic>
-        <p:nvPicPr>
-          <p:cNvPr id="13" name="Picture 12">
-            <a:extLst>
-              <a:ext uri="{FF2B5EF4-FFF2-40B4-BE49-F238E27FC236}">
-                <a16:creationId xmlns:a16="http://schemas.microsoft.com/office/drawing/2014/main" id="{57E20440-AF5D-80F5-4093-870750ADD40D}"/>
-              </a:ext>
-            </a:extLst>
-          </p:cNvPr>
-          <p:cNvPicPr>
-            <a:picLocks noChangeAspect="1"/>
-          </p:cNvPicPr>
-          <p:nvPr/>
-        </p:nvPicPr>
-        <p:blipFill>
-          <a:blip r:embed="rId5" cstate="print">
-            <a:extLst>
-              <a:ext uri="{28A0092B-C50C-407E-A947-70E740481C1C}">
-                <a14:useLocalDpi xmlns:a14="http://schemas.microsoft.com/office/drawing/2010/main" val="0"/>
-              </a:ext>
-            </a:extLst>
-          </a:blip>
-          <a:stretch>
-            <a:fillRect/>
-          </a:stretch>
-        </p:blipFill>
-        <p:spPr>
-          <a:xfrm>
-            <a:off x="1956459" y="101590"/>
-            <a:ext cx="777240" cy="719519"/>
-          </a:xfrm>
-          <a:prstGeom prst="rect">
-            <a:avLst/>
-          </a:prstGeom>
-        </p:spPr>
-      </p:pic>
-      <p:pic>
-        <p:nvPicPr>
-          <p:cNvPr id="14" name="Picture 13">
-            <a:extLst>
-              <a:ext uri="{FF2B5EF4-FFF2-40B4-BE49-F238E27FC236}">
-                <a16:creationId xmlns:a16="http://schemas.microsoft.com/office/drawing/2014/main" id="{BB37FA93-0256-420D-12E3-81CEEE3352EC}"/>
-              </a:ext>
-            </a:extLst>
-          </p:cNvPr>
-          <p:cNvPicPr>
-            <a:picLocks noChangeAspect="1"/>
-          </p:cNvPicPr>
-          <p:nvPr/>
-        </p:nvPicPr>
-        <p:blipFill>
-          <a:blip r:embed="rId6" cstate="print">
-            <a:extLst>
-              <a:ext uri="{28A0092B-C50C-407E-A947-70E740481C1C}">
-                <a14:useLocalDpi xmlns:a14="http://schemas.microsoft.com/office/drawing/2010/main" val="0"/>
-              </a:ext>
-            </a:extLst>
-          </a:blip>
-          <a:stretch>
-            <a:fillRect/>
-          </a:stretch>
-        </p:blipFill>
-        <p:spPr>
-          <a:xfrm>
-            <a:off x="8168123" y="43869"/>
-            <a:ext cx="928688" cy="792433"/>
-          </a:xfrm>
-          <a:prstGeom prst="rect">
-            <a:avLst/>
-          </a:prstGeom>
-        </p:spPr>
-      </p:pic>
-      <p:pic>
-        <p:nvPicPr>
-          <p:cNvPr id="15" name="Picture 14">
-            <a:extLst>
-              <a:ext uri="{FF2B5EF4-FFF2-40B4-BE49-F238E27FC236}">
-                <a16:creationId xmlns:a16="http://schemas.microsoft.com/office/drawing/2014/main" id="{D5C08A1B-2CEE-EBAA-32B7-852704FCCB48}"/>
-              </a:ext>
-            </a:extLst>
-          </p:cNvPr>
-          <p:cNvPicPr>
-            <a:picLocks noChangeAspect="1"/>
-          </p:cNvPicPr>
-          <p:nvPr/>
-        </p:nvPicPr>
-        <p:blipFill>
-          <a:blip r:embed="rId7" cstate="print">
-            <a:extLst>
-              <a:ext uri="{28A0092B-C50C-407E-A947-70E740481C1C}">
-                <a14:useLocalDpi xmlns:a14="http://schemas.microsoft.com/office/drawing/2010/main" val="0"/>
-              </a:ext>
-            </a:extLst>
-          </a:blip>
-          <a:stretch>
-            <a:fillRect/>
-          </a:stretch>
-        </p:blipFill>
-        <p:spPr>
-          <a:xfrm>
-            <a:off x="0" y="4833681"/>
-            <a:ext cx="2971800" cy="1478471"/>
-          </a:xfrm>
-          <a:prstGeom prst="rect">
-            <a:avLst/>
-          </a:prstGeom>
-        </p:spPr>
-      </p:pic>
-      <p:sp>
-        <p:nvSpPr>
-          <p:cNvPr id="2" name="TextBox 1">
-            <a:extLst>
-              <a:ext uri="{FF2B5EF4-FFF2-40B4-BE49-F238E27FC236}">
-                <a16:creationId xmlns:a16="http://schemas.microsoft.com/office/drawing/2014/main" id="{7C22F29D-71D9-8476-9BC0-E1789108A48B}"/>
-              </a:ext>
-            </a:extLst>
-          </p:cNvPr>
-          <p:cNvSpPr txBox="1"/>
-          <p:nvPr/>
-        </p:nvSpPr>
-        <p:spPr>
-          <a:xfrm>
-            <a:off x="1766170" y="6319521"/>
-            <a:ext cx="5471160" cy="482953"/>
-          </a:xfrm>
-          <a:prstGeom prst="rect">
-            <a:avLst/>
-          </a:prstGeom>
-          <a:noFill/>
-        </p:spPr>
-        <p:txBody>
-          <a:bodyPr wrap="square" rtlCol="0">
-            <a:spAutoFit/>
-          </a:bodyPr>
-          <a:lstStyle/>
-          <a:p>
-            <a:pPr algn="ctr">
-              <a:lnSpc>
-                <a:spcPct val="150000"/>
-              </a:lnSpc>
-            </a:pPr>
-            <a:r>
-              <a:rPr lang="en-US" sz="900" b="1" dirty="0">
-                <a:latin typeface="Times New Roman" pitchFamily="18" charset="0"/>
-                <a:cs typeface="Times New Roman" pitchFamily="18" charset="0"/>
-              </a:rPr>
-              <a:t>International Conference on Smart Computing, Communication and Automation (ICSCCA), 2K25</a:t>
-            </a:r>
-          </a:p>
-          <a:p>
-            <a:pPr algn="ctr">
-              <a:lnSpc>
-                <a:spcPct val="150000"/>
-              </a:lnSpc>
-            </a:pPr>
-            <a:r>
-              <a:rPr lang="en-US" sz="900" b="1" dirty="0">
-                <a:latin typeface="Times New Roman" pitchFamily="18" charset="0"/>
-                <a:cs typeface="Times New Roman" pitchFamily="18" charset="0"/>
-              </a:rPr>
-              <a:t>Organized by , Budge Budge Institute of Technology,  </a:t>
-            </a:r>
-            <a:r>
-              <a:rPr lang="en-US" sz="900" b="1" dirty="0" err="1">
-                <a:latin typeface="Times New Roman" pitchFamily="18" charset="0"/>
-                <a:cs typeface="Times New Roman" pitchFamily="18" charset="0"/>
-              </a:rPr>
-              <a:t>Nischintapur</a:t>
-            </a:r>
-            <a:r>
-              <a:rPr lang="en-US" sz="900" b="1" dirty="0">
-                <a:latin typeface="Times New Roman" pitchFamily="18" charset="0"/>
-                <a:cs typeface="Times New Roman" pitchFamily="18" charset="0"/>
-              </a:rPr>
-              <a:t>, Budge Budge, India.</a:t>
-            </a:r>
-            <a:endParaRPr lang="en-US" sz="700" b="1" dirty="0">
-              <a:latin typeface="Times New Roman" pitchFamily="18" charset="0"/>
-              <a:cs typeface="Times New Roman" pitchFamily="18" charset="0"/>
-            </a:endParaRPr>
+      <p:sp>
+        <p:nvSpPr>
+          <p:cNvPr id="3" name="Footer Placeholder 2"/>
+          <p:cNvSpPr>
+            <a:spLocks noGrp="1"/>
+          </p:cNvSpPr>
+          <p:nvPr>
+            <p:ph type="ftr" sz="quarter" idx="11"/>
+          </p:nvPr>
+        </p:nvSpPr>
+        <p:spPr/>
+        <p:txBody>
+          <a:bodyPr/>
+          <a:lstStyle/>
+          <a:p>
+            <a:r>
+              <a:rPr lang="en-GB" dirty="0" smtClean="0"/>
+              <a:t>International Conference on Advances in Intelligent Computing and Communication Technology (AICCT), 2K25</a:t>
+            </a:r>
+            <a:endParaRPr lang="en-US" dirty="0"/>
           </a:p>
         </p:txBody>
       </p:sp>
@@ -7784,6 +6390,13 @@
   <p:clrMapOvr>
     <a:masterClrMapping/>
   </p:clrMapOvr>
+  <p:timing>
+    <p:tnLst>
+      <p:par>
+        <p:cTn id="1" dur="indefinite" restart="never" nodeType="tmRoot"/>
+      </p:par>
+    </p:tnLst>
+  </p:timing>
 </p:sld>
 </file>
 
@@ -7928,10 +6541,10 @@
       </p:sp>
       <p:pic>
         <p:nvPicPr>
-          <p:cNvPr id="11" name="Picture 10">
+          <p:cNvPr id="14" name="Picture 13">
             <a:extLst>
               <a:ext uri="{FF2B5EF4-FFF2-40B4-BE49-F238E27FC236}">
-                <a16:creationId xmlns:a16="http://schemas.microsoft.com/office/drawing/2014/main" id="{A1521BF9-73BA-7BEB-A2D1-EC99886C06FF}"/>
+                <a16:creationId xmlns:a16="http://schemas.microsoft.com/office/drawing/2014/main" id="{8EA4E5CF-9ED1-5742-E0E8-591AA1BF53A4}"/>
               </a:ext>
             </a:extLst>
           </p:cNvPr>
@@ -7954,8 +6567,8 @@
         </p:blipFill>
         <p:spPr>
           <a:xfrm>
-            <a:off x="-4916" y="28545"/>
-            <a:ext cx="1115103" cy="850285"/>
+            <a:off x="8236250" y="43869"/>
+            <a:ext cx="792433" cy="792433"/>
           </a:xfrm>
           <a:prstGeom prst="rect">
             <a:avLst/>
@@ -7964,10 +6577,10 @@
       </p:pic>
       <p:pic>
         <p:nvPicPr>
-          <p:cNvPr id="12" name="Picture 11">
+          <p:cNvPr id="15" name="Picture 14">
             <a:extLst>
               <a:ext uri="{FF2B5EF4-FFF2-40B4-BE49-F238E27FC236}">
-                <a16:creationId xmlns:a16="http://schemas.microsoft.com/office/drawing/2014/main" id="{9760997E-FC5F-BFF0-69AB-BEAEE3F95F54}"/>
+                <a16:creationId xmlns:a16="http://schemas.microsoft.com/office/drawing/2014/main" id="{39075FBD-B978-BA95-08C8-A74C4F68F180}"/>
               </a:ext>
             </a:extLst>
           </p:cNvPr>
@@ -7990,194 +6603,34 @@
         </p:blipFill>
         <p:spPr>
           <a:xfrm>
-            <a:off x="915040" y="43869"/>
-            <a:ext cx="930658" cy="777240"/>
+            <a:off x="1172" y="5324003"/>
+            <a:ext cx="1478471" cy="1478471"/>
           </a:xfrm>
           <a:prstGeom prst="rect">
             <a:avLst/>
           </a:prstGeom>
         </p:spPr>
       </p:pic>
-      <p:pic>
-        <p:nvPicPr>
-          <p:cNvPr id="13" name="Picture 12">
-            <a:extLst>
-              <a:ext uri="{FF2B5EF4-FFF2-40B4-BE49-F238E27FC236}">
-                <a16:creationId xmlns:a16="http://schemas.microsoft.com/office/drawing/2014/main" id="{D6C8C9D7-4E57-B278-BFC7-8271A1BB807D}"/>
-              </a:ext>
-            </a:extLst>
-          </p:cNvPr>
-          <p:cNvPicPr>
-            <a:picLocks noChangeAspect="1"/>
-          </p:cNvPicPr>
-          <p:nvPr/>
-        </p:nvPicPr>
-        <p:blipFill>
-          <a:blip r:embed="rId5" cstate="print">
-            <a:extLst>
-              <a:ext uri="{28A0092B-C50C-407E-A947-70E740481C1C}">
-                <a14:useLocalDpi xmlns:a14="http://schemas.microsoft.com/office/drawing/2010/main" val="0"/>
-              </a:ext>
-            </a:extLst>
-          </a:blip>
-          <a:stretch>
-            <a:fillRect/>
-          </a:stretch>
-        </p:blipFill>
-        <p:spPr>
-          <a:xfrm>
-            <a:off x="1956459" y="101590"/>
-            <a:ext cx="777240" cy="719519"/>
-          </a:xfrm>
-          <a:prstGeom prst="rect">
-            <a:avLst/>
-          </a:prstGeom>
-        </p:spPr>
-      </p:pic>
-      <p:pic>
-        <p:nvPicPr>
-          <p:cNvPr id="14" name="Picture 13">
-            <a:extLst>
-              <a:ext uri="{FF2B5EF4-FFF2-40B4-BE49-F238E27FC236}">
-                <a16:creationId xmlns:a16="http://schemas.microsoft.com/office/drawing/2014/main" id="{8EA4E5CF-9ED1-5742-E0E8-591AA1BF53A4}"/>
-              </a:ext>
-            </a:extLst>
-          </p:cNvPr>
-          <p:cNvPicPr>
-            <a:picLocks noChangeAspect="1"/>
-          </p:cNvPicPr>
-          <p:nvPr/>
-        </p:nvPicPr>
-        <p:blipFill>
-          <a:blip r:embed="rId6" cstate="print">
-            <a:extLst>
-              <a:ext uri="{28A0092B-C50C-407E-A947-70E740481C1C}">
-                <a14:useLocalDpi xmlns:a14="http://schemas.microsoft.com/office/drawing/2010/main" val="0"/>
-              </a:ext>
-            </a:extLst>
-          </a:blip>
-          <a:stretch>
-            <a:fillRect/>
-          </a:stretch>
-        </p:blipFill>
-        <p:spPr>
-          <a:xfrm>
-            <a:off x="8168123" y="43869"/>
-            <a:ext cx="928688" cy="792433"/>
-          </a:xfrm>
-          <a:prstGeom prst="rect">
-            <a:avLst/>
-          </a:prstGeom>
-        </p:spPr>
-      </p:pic>
-      <p:pic>
-        <p:nvPicPr>
-          <p:cNvPr id="15" name="Picture 14">
-            <a:extLst>
-              <a:ext uri="{FF2B5EF4-FFF2-40B4-BE49-F238E27FC236}">
-                <a16:creationId xmlns:a16="http://schemas.microsoft.com/office/drawing/2014/main" id="{39075FBD-B978-BA95-08C8-A74C4F68F180}"/>
-              </a:ext>
-            </a:extLst>
-          </p:cNvPr>
-          <p:cNvPicPr>
-            <a:picLocks noChangeAspect="1"/>
-          </p:cNvPicPr>
-          <p:nvPr/>
-        </p:nvPicPr>
-        <p:blipFill>
-          <a:blip r:embed="rId7" cstate="print">
-            <a:extLst>
-              <a:ext uri="{28A0092B-C50C-407E-A947-70E740481C1C}">
-                <a14:useLocalDpi xmlns:a14="http://schemas.microsoft.com/office/drawing/2010/main" val="0"/>
-              </a:ext>
-            </a:extLst>
-          </a:blip>
-          <a:stretch>
-            <a:fillRect/>
-          </a:stretch>
-        </p:blipFill>
-        <p:spPr>
-          <a:xfrm>
-            <a:off x="0" y="4833681"/>
-            <a:ext cx="2971800" cy="1478471"/>
-          </a:xfrm>
-          <a:prstGeom prst="rect">
-            <a:avLst/>
-          </a:prstGeom>
-        </p:spPr>
-      </p:pic>
-      <p:sp>
-        <p:nvSpPr>
-          <p:cNvPr id="2" name="TextBox 1">
-            <a:extLst>
-              <a:ext uri="{FF2B5EF4-FFF2-40B4-BE49-F238E27FC236}">
-                <a16:creationId xmlns:a16="http://schemas.microsoft.com/office/drawing/2014/main" id="{CB896826-57A0-F7A4-AF3E-ED7DD6E251CD}"/>
-              </a:ext>
-            </a:extLst>
-          </p:cNvPr>
-          <p:cNvSpPr txBox="1"/>
-          <p:nvPr/>
-        </p:nvSpPr>
-        <p:spPr>
-          <a:xfrm>
-            <a:off x="1766170" y="6319521"/>
-            <a:ext cx="5471160" cy="482953"/>
-          </a:xfrm>
-          <a:prstGeom prst="rect">
-            <a:avLst/>
-          </a:prstGeom>
-          <a:noFill/>
-        </p:spPr>
-        <p:txBody>
-          <a:bodyPr wrap="square" rtlCol="0">
-            <a:spAutoFit/>
-          </a:bodyPr>
-          <a:lstStyle/>
-          <a:p>
-            <a:pPr algn="ctr">
-              <a:lnSpc>
-                <a:spcPct val="150000"/>
-              </a:lnSpc>
-            </a:pPr>
-            <a:r>
-              <a:rPr lang="en-US" sz="900" b="1" dirty="0">
-                <a:latin typeface="Times New Roman" pitchFamily="18" charset="0"/>
-                <a:cs typeface="Times New Roman" pitchFamily="18" charset="0"/>
-              </a:rPr>
-              <a:t>International Conference on Smart Computing, Communication and Automation (ICSCCA), 2K25</a:t>
-            </a:r>
-          </a:p>
-          <a:p>
-            <a:pPr algn="ctr">
-              <a:lnSpc>
-                <a:spcPct val="150000"/>
-              </a:lnSpc>
-            </a:pPr>
-            <a:r>
-              <a:rPr lang="en-US" sz="900" b="1" dirty="0">
-                <a:latin typeface="Times New Roman" pitchFamily="18" charset="0"/>
-                <a:cs typeface="Times New Roman" pitchFamily="18" charset="0"/>
-              </a:rPr>
-              <a:t>Organized by , Budge Budge Institute of Technology,  </a:t>
-            </a:r>
-            <a:r>
-              <a:rPr lang="en-US" sz="900" b="1" dirty="0" err="1">
-                <a:latin typeface="Times New Roman" pitchFamily="18" charset="0"/>
-                <a:cs typeface="Times New Roman" pitchFamily="18" charset="0"/>
-              </a:rPr>
-              <a:t>Nischintapur</a:t>
-            </a:r>
-            <a:r>
-              <a:rPr lang="en-US" sz="900" b="1" dirty="0">
-                <a:latin typeface="Times New Roman" pitchFamily="18" charset="0"/>
-                <a:cs typeface="Times New Roman" pitchFamily="18" charset="0"/>
-              </a:rPr>
-              <a:t>, Budge Budge, India.</a:t>
-            </a:r>
-            <a:endParaRPr lang="en-US" sz="700" b="1" dirty="0">
-              <a:latin typeface="Times New Roman" pitchFamily="18" charset="0"/>
-              <a:cs typeface="Times New Roman" pitchFamily="18" charset="0"/>
-            </a:endParaRPr>
+      <p:sp>
+        <p:nvSpPr>
+          <p:cNvPr id="3" name="Footer Placeholder 2"/>
+          <p:cNvSpPr>
+            <a:spLocks noGrp="1"/>
+          </p:cNvSpPr>
+          <p:nvPr>
+            <p:ph type="ftr" sz="quarter" idx="11"/>
+          </p:nvPr>
+        </p:nvSpPr>
+        <p:spPr/>
+        <p:txBody>
+          <a:bodyPr/>
+          <a:lstStyle/>
+          <a:p>
+            <a:r>
+              <a:rPr lang="en-GB" smtClean="0"/>
+              <a:t>International Conference on Advances in Intelligent Computing and Communication Technology (AICCT), 2K25</a:t>
+            </a:r>
+            <a:endParaRPr lang="en-US"/>
           </a:p>
         </p:txBody>
       </p:sp>
@@ -8191,6 +6644,13 @@
   <p:clrMapOvr>
     <a:masterClrMapping/>
   </p:clrMapOvr>
+  <p:timing>
+    <p:tnLst>
+      <p:par>
+        <p:cTn id="1" dur="indefinite" restart="never" nodeType="tmRoot"/>
+      </p:par>
+    </p:tnLst>
+  </p:timing>
 </p:sld>
 </file>
 
@@ -8331,10 +6791,10 @@
       </p:sp>
       <p:pic>
         <p:nvPicPr>
-          <p:cNvPr id="11" name="Picture 10">
+          <p:cNvPr id="14" name="Picture 13">
             <a:extLst>
               <a:ext uri="{FF2B5EF4-FFF2-40B4-BE49-F238E27FC236}">
-                <a16:creationId xmlns:a16="http://schemas.microsoft.com/office/drawing/2014/main" id="{5B3DD77C-1997-A04D-30BE-8F54969575F1}"/>
+                <a16:creationId xmlns:a16="http://schemas.microsoft.com/office/drawing/2014/main" id="{3BB67564-096B-27C2-E400-B0B5E8B1D0CE}"/>
               </a:ext>
             </a:extLst>
           </p:cNvPr>
@@ -8357,8 +6817,8 @@
         </p:blipFill>
         <p:spPr>
           <a:xfrm>
-            <a:off x="-4916" y="28545"/>
-            <a:ext cx="1115103" cy="850285"/>
+            <a:off x="8236250" y="43869"/>
+            <a:ext cx="792433" cy="792433"/>
           </a:xfrm>
           <a:prstGeom prst="rect">
             <a:avLst/>
@@ -8367,10 +6827,10 @@
       </p:pic>
       <p:pic>
         <p:nvPicPr>
-          <p:cNvPr id="12" name="Picture 11">
+          <p:cNvPr id="15" name="Picture 14">
             <a:extLst>
               <a:ext uri="{FF2B5EF4-FFF2-40B4-BE49-F238E27FC236}">
-                <a16:creationId xmlns:a16="http://schemas.microsoft.com/office/drawing/2014/main" id="{286B30FD-B2C2-1521-F8E8-6D3E9DAB439E}"/>
+                <a16:creationId xmlns:a16="http://schemas.microsoft.com/office/drawing/2014/main" id="{8163DBE2-E28F-F1F0-56E0-345F8CBD6524}"/>
               </a:ext>
             </a:extLst>
           </p:cNvPr>
@@ -8393,194 +6853,34 @@
         </p:blipFill>
         <p:spPr>
           <a:xfrm>
-            <a:off x="915040" y="43869"/>
-            <a:ext cx="930658" cy="777240"/>
+            <a:off x="0" y="5393597"/>
+            <a:ext cx="1478471" cy="1478471"/>
           </a:xfrm>
           <a:prstGeom prst="rect">
             <a:avLst/>
           </a:prstGeom>
         </p:spPr>
       </p:pic>
-      <p:pic>
-        <p:nvPicPr>
-          <p:cNvPr id="13" name="Picture 12">
-            <a:extLst>
-              <a:ext uri="{FF2B5EF4-FFF2-40B4-BE49-F238E27FC236}">
-                <a16:creationId xmlns:a16="http://schemas.microsoft.com/office/drawing/2014/main" id="{77BD6BC4-9439-26DB-B960-E6A79425E6EB}"/>
-              </a:ext>
-            </a:extLst>
-          </p:cNvPr>
-          <p:cNvPicPr>
-            <a:picLocks noChangeAspect="1"/>
-          </p:cNvPicPr>
-          <p:nvPr/>
-        </p:nvPicPr>
-        <p:blipFill>
-          <a:blip r:embed="rId5" cstate="print">
-            <a:extLst>
-              <a:ext uri="{28A0092B-C50C-407E-A947-70E740481C1C}">
-                <a14:useLocalDpi xmlns:a14="http://schemas.microsoft.com/office/drawing/2010/main" val="0"/>
-              </a:ext>
-            </a:extLst>
-          </a:blip>
-          <a:stretch>
-            <a:fillRect/>
-          </a:stretch>
-        </p:blipFill>
-        <p:spPr>
-          <a:xfrm>
-            <a:off x="1956459" y="101590"/>
-            <a:ext cx="777240" cy="719519"/>
-          </a:xfrm>
-          <a:prstGeom prst="rect">
-            <a:avLst/>
-          </a:prstGeom>
-        </p:spPr>
-      </p:pic>
-      <p:pic>
-        <p:nvPicPr>
-          <p:cNvPr id="14" name="Picture 13">
-            <a:extLst>
-              <a:ext uri="{FF2B5EF4-FFF2-40B4-BE49-F238E27FC236}">
-                <a16:creationId xmlns:a16="http://schemas.microsoft.com/office/drawing/2014/main" id="{3BB67564-096B-27C2-E400-B0B5E8B1D0CE}"/>
-              </a:ext>
-            </a:extLst>
-          </p:cNvPr>
-          <p:cNvPicPr>
-            <a:picLocks noChangeAspect="1"/>
-          </p:cNvPicPr>
-          <p:nvPr/>
-        </p:nvPicPr>
-        <p:blipFill>
-          <a:blip r:embed="rId6" cstate="print">
-            <a:extLst>
-              <a:ext uri="{28A0092B-C50C-407E-A947-70E740481C1C}">
-                <a14:useLocalDpi xmlns:a14="http://schemas.microsoft.com/office/drawing/2010/main" val="0"/>
-              </a:ext>
-            </a:extLst>
-          </a:blip>
-          <a:stretch>
-            <a:fillRect/>
-          </a:stretch>
-        </p:blipFill>
-        <p:spPr>
-          <a:xfrm>
-            <a:off x="8168123" y="43869"/>
-            <a:ext cx="928688" cy="792433"/>
-          </a:xfrm>
-          <a:prstGeom prst="rect">
-            <a:avLst/>
-          </a:prstGeom>
-        </p:spPr>
-      </p:pic>
-      <p:pic>
-        <p:nvPicPr>
-          <p:cNvPr id="15" name="Picture 14">
-            <a:extLst>
-              <a:ext uri="{FF2B5EF4-FFF2-40B4-BE49-F238E27FC236}">
-                <a16:creationId xmlns:a16="http://schemas.microsoft.com/office/drawing/2014/main" id="{8163DBE2-E28F-F1F0-56E0-345F8CBD6524}"/>
-              </a:ext>
-            </a:extLst>
-          </p:cNvPr>
-          <p:cNvPicPr>
-            <a:picLocks noChangeAspect="1"/>
-          </p:cNvPicPr>
-          <p:nvPr/>
-        </p:nvPicPr>
-        <p:blipFill>
-          <a:blip r:embed="rId7" cstate="print">
-            <a:extLst>
-              <a:ext uri="{28A0092B-C50C-407E-A947-70E740481C1C}">
-                <a14:useLocalDpi xmlns:a14="http://schemas.microsoft.com/office/drawing/2010/main" val="0"/>
-              </a:ext>
-            </a:extLst>
-          </a:blip>
-          <a:stretch>
-            <a:fillRect/>
-          </a:stretch>
-        </p:blipFill>
-        <p:spPr>
-          <a:xfrm>
-            <a:off x="0" y="4833681"/>
-            <a:ext cx="2971800" cy="1478471"/>
-          </a:xfrm>
-          <a:prstGeom prst="rect">
-            <a:avLst/>
-          </a:prstGeom>
-        </p:spPr>
-      </p:pic>
-      <p:sp>
-        <p:nvSpPr>
-          <p:cNvPr id="2" name="TextBox 1">
-            <a:extLst>
-              <a:ext uri="{FF2B5EF4-FFF2-40B4-BE49-F238E27FC236}">
-                <a16:creationId xmlns:a16="http://schemas.microsoft.com/office/drawing/2014/main" id="{8B24E0CD-AAD5-CA22-5FAB-0BB8ED0708E5}"/>
-              </a:ext>
-            </a:extLst>
-          </p:cNvPr>
-          <p:cNvSpPr txBox="1"/>
-          <p:nvPr/>
-        </p:nvSpPr>
-        <p:spPr>
-          <a:xfrm>
-            <a:off x="1766170" y="6319521"/>
-            <a:ext cx="5471160" cy="482953"/>
-          </a:xfrm>
-          <a:prstGeom prst="rect">
-            <a:avLst/>
-          </a:prstGeom>
-          <a:noFill/>
-        </p:spPr>
-        <p:txBody>
-          <a:bodyPr wrap="square" rtlCol="0">
-            <a:spAutoFit/>
-          </a:bodyPr>
-          <a:lstStyle/>
-          <a:p>
-            <a:pPr algn="ctr">
-              <a:lnSpc>
-                <a:spcPct val="150000"/>
-              </a:lnSpc>
-            </a:pPr>
-            <a:r>
-              <a:rPr lang="en-US" sz="900" b="1" dirty="0">
-                <a:latin typeface="Times New Roman" pitchFamily="18" charset="0"/>
-                <a:cs typeface="Times New Roman" pitchFamily="18" charset="0"/>
-              </a:rPr>
-              <a:t>International Conference on Smart Computing, Communication and Automation (ICSCCA), 2K25</a:t>
-            </a:r>
-          </a:p>
-          <a:p>
-            <a:pPr algn="ctr">
-              <a:lnSpc>
-                <a:spcPct val="150000"/>
-              </a:lnSpc>
-            </a:pPr>
-            <a:r>
-              <a:rPr lang="en-US" sz="900" b="1" dirty="0">
-                <a:latin typeface="Times New Roman" pitchFamily="18" charset="0"/>
-                <a:cs typeface="Times New Roman" pitchFamily="18" charset="0"/>
-              </a:rPr>
-              <a:t>Organized by , Budge Budge Institute of Technology,  </a:t>
-            </a:r>
-            <a:r>
-              <a:rPr lang="en-US" sz="900" b="1" dirty="0" err="1">
-                <a:latin typeface="Times New Roman" pitchFamily="18" charset="0"/>
-                <a:cs typeface="Times New Roman" pitchFamily="18" charset="0"/>
-              </a:rPr>
-              <a:t>Nischintapur</a:t>
-            </a:r>
-            <a:r>
-              <a:rPr lang="en-US" sz="900" b="1" dirty="0">
-                <a:latin typeface="Times New Roman" pitchFamily="18" charset="0"/>
-                <a:cs typeface="Times New Roman" pitchFamily="18" charset="0"/>
-              </a:rPr>
-              <a:t>, Budge Budge, India.</a:t>
-            </a:r>
-            <a:endParaRPr lang="en-US" sz="700" b="1" dirty="0">
-              <a:latin typeface="Times New Roman" pitchFamily="18" charset="0"/>
-              <a:cs typeface="Times New Roman" pitchFamily="18" charset="0"/>
-            </a:endParaRPr>
+      <p:sp>
+        <p:nvSpPr>
+          <p:cNvPr id="3" name="Footer Placeholder 2"/>
+          <p:cNvSpPr>
+            <a:spLocks noGrp="1"/>
+          </p:cNvSpPr>
+          <p:nvPr>
+            <p:ph type="ftr" sz="quarter" idx="11"/>
+          </p:nvPr>
+        </p:nvSpPr>
+        <p:spPr/>
+        <p:txBody>
+          <a:bodyPr/>
+          <a:lstStyle/>
+          <a:p>
+            <a:r>
+              <a:rPr lang="en-GB" smtClean="0"/>
+              <a:t>International Conference on Advances in Intelligent Computing and Communication Technology (AICCT), 2K25</a:t>
+            </a:r>
+            <a:endParaRPr lang="en-US"/>
           </a:p>
         </p:txBody>
       </p:sp>
@@ -8594,6 +6894,13 @@
   <p:clrMapOvr>
     <a:masterClrMapping/>
   </p:clrMapOvr>
+  <p:timing>
+    <p:tnLst>
+      <p:par>
+        <p:cTn id="1" dur="indefinite" restart="never" nodeType="tmRoot"/>
+      </p:par>
+    </p:tnLst>
+  </p:timing>
 </p:sld>
 </file>
 
@@ -8738,10 +7045,10 @@
       </p:sp>
       <p:pic>
         <p:nvPicPr>
-          <p:cNvPr id="11" name="Picture 10">
+          <p:cNvPr id="14" name="Picture 13">
             <a:extLst>
               <a:ext uri="{FF2B5EF4-FFF2-40B4-BE49-F238E27FC236}">
-                <a16:creationId xmlns:a16="http://schemas.microsoft.com/office/drawing/2014/main" id="{71215CD6-C7B4-0C44-5F7A-D2ECB0837B0E}"/>
+                <a16:creationId xmlns:a16="http://schemas.microsoft.com/office/drawing/2014/main" id="{F6357E1A-C3A6-11BE-E7CF-B2AE24EAE02E}"/>
               </a:ext>
             </a:extLst>
           </p:cNvPr>
@@ -8764,8 +7071,8 @@
         </p:blipFill>
         <p:spPr>
           <a:xfrm>
-            <a:off x="-4916" y="28545"/>
-            <a:ext cx="1115103" cy="850285"/>
+            <a:off x="8236250" y="43869"/>
+            <a:ext cx="792433" cy="792433"/>
           </a:xfrm>
           <a:prstGeom prst="rect">
             <a:avLst/>
@@ -8774,10 +7081,10 @@
       </p:pic>
       <p:pic>
         <p:nvPicPr>
-          <p:cNvPr id="12" name="Picture 11">
+          <p:cNvPr id="15" name="Picture 14">
             <a:extLst>
               <a:ext uri="{FF2B5EF4-FFF2-40B4-BE49-F238E27FC236}">
-                <a16:creationId xmlns:a16="http://schemas.microsoft.com/office/drawing/2014/main" id="{27E6E7A1-E5C2-41BE-CFB4-FCC12137CBA9}"/>
+                <a16:creationId xmlns:a16="http://schemas.microsoft.com/office/drawing/2014/main" id="{24CF12D7-ED29-74FB-0D7F-B9350983A213}"/>
               </a:ext>
             </a:extLst>
           </p:cNvPr>
@@ -8800,194 +7107,34 @@
         </p:blipFill>
         <p:spPr>
           <a:xfrm>
-            <a:off x="915040" y="43869"/>
-            <a:ext cx="930658" cy="777240"/>
+            <a:off x="0" y="5379529"/>
+            <a:ext cx="1478471" cy="1478471"/>
           </a:xfrm>
           <a:prstGeom prst="rect">
             <a:avLst/>
           </a:prstGeom>
         </p:spPr>
       </p:pic>
-      <p:pic>
-        <p:nvPicPr>
-          <p:cNvPr id="13" name="Picture 12">
-            <a:extLst>
-              <a:ext uri="{FF2B5EF4-FFF2-40B4-BE49-F238E27FC236}">
-                <a16:creationId xmlns:a16="http://schemas.microsoft.com/office/drawing/2014/main" id="{091F6F34-977F-735A-ACF8-8313C1AD7DFE}"/>
-              </a:ext>
-            </a:extLst>
-          </p:cNvPr>
-          <p:cNvPicPr>
-            <a:picLocks noChangeAspect="1"/>
-          </p:cNvPicPr>
-          <p:nvPr/>
-        </p:nvPicPr>
-        <p:blipFill>
-          <a:blip r:embed="rId5" cstate="print">
-            <a:extLst>
-              <a:ext uri="{28A0092B-C50C-407E-A947-70E740481C1C}">
-                <a14:useLocalDpi xmlns:a14="http://schemas.microsoft.com/office/drawing/2010/main" val="0"/>
-              </a:ext>
-            </a:extLst>
-          </a:blip>
-          <a:stretch>
-            <a:fillRect/>
-          </a:stretch>
-        </p:blipFill>
-        <p:spPr>
-          <a:xfrm>
-            <a:off x="1929001" y="93927"/>
-            <a:ext cx="777240" cy="719519"/>
-          </a:xfrm>
-          <a:prstGeom prst="rect">
-            <a:avLst/>
-          </a:prstGeom>
-        </p:spPr>
-      </p:pic>
-      <p:pic>
-        <p:nvPicPr>
-          <p:cNvPr id="14" name="Picture 13">
-            <a:extLst>
-              <a:ext uri="{FF2B5EF4-FFF2-40B4-BE49-F238E27FC236}">
-                <a16:creationId xmlns:a16="http://schemas.microsoft.com/office/drawing/2014/main" id="{F6357E1A-C3A6-11BE-E7CF-B2AE24EAE02E}"/>
-              </a:ext>
-            </a:extLst>
-          </p:cNvPr>
-          <p:cNvPicPr>
-            <a:picLocks noChangeAspect="1"/>
-          </p:cNvPicPr>
-          <p:nvPr/>
-        </p:nvPicPr>
-        <p:blipFill>
-          <a:blip r:embed="rId6" cstate="print">
-            <a:extLst>
-              <a:ext uri="{28A0092B-C50C-407E-A947-70E740481C1C}">
-                <a14:useLocalDpi xmlns:a14="http://schemas.microsoft.com/office/drawing/2010/main" val="0"/>
-              </a:ext>
-            </a:extLst>
-          </a:blip>
-          <a:stretch>
-            <a:fillRect/>
-          </a:stretch>
-        </p:blipFill>
-        <p:spPr>
-          <a:xfrm>
-            <a:off x="8168123" y="43869"/>
-            <a:ext cx="928688" cy="792433"/>
-          </a:xfrm>
-          <a:prstGeom prst="rect">
-            <a:avLst/>
-          </a:prstGeom>
-        </p:spPr>
-      </p:pic>
-      <p:pic>
-        <p:nvPicPr>
-          <p:cNvPr id="15" name="Picture 14">
-            <a:extLst>
-              <a:ext uri="{FF2B5EF4-FFF2-40B4-BE49-F238E27FC236}">
-                <a16:creationId xmlns:a16="http://schemas.microsoft.com/office/drawing/2014/main" id="{24CF12D7-ED29-74FB-0D7F-B9350983A213}"/>
-              </a:ext>
-            </a:extLst>
-          </p:cNvPr>
-          <p:cNvPicPr>
-            <a:picLocks noChangeAspect="1"/>
-          </p:cNvPicPr>
-          <p:nvPr/>
-        </p:nvPicPr>
-        <p:blipFill>
-          <a:blip r:embed="rId7" cstate="print">
-            <a:extLst>
-              <a:ext uri="{28A0092B-C50C-407E-A947-70E740481C1C}">
-                <a14:useLocalDpi xmlns:a14="http://schemas.microsoft.com/office/drawing/2010/main" val="0"/>
-              </a:ext>
-            </a:extLst>
-          </a:blip>
-          <a:stretch>
-            <a:fillRect/>
-          </a:stretch>
-        </p:blipFill>
-        <p:spPr>
-          <a:xfrm>
-            <a:off x="0" y="4833681"/>
-            <a:ext cx="2971800" cy="1478471"/>
-          </a:xfrm>
-          <a:prstGeom prst="rect">
-            <a:avLst/>
-          </a:prstGeom>
-        </p:spPr>
-      </p:pic>
-      <p:sp>
-        <p:nvSpPr>
-          <p:cNvPr id="2" name="TextBox 1">
-            <a:extLst>
-              <a:ext uri="{FF2B5EF4-FFF2-40B4-BE49-F238E27FC236}">
-                <a16:creationId xmlns:a16="http://schemas.microsoft.com/office/drawing/2014/main" id="{2F38C0F6-DB8E-BAF3-C0C3-EFB28F18F483}"/>
-              </a:ext>
-            </a:extLst>
-          </p:cNvPr>
-          <p:cNvSpPr txBox="1"/>
-          <p:nvPr/>
-        </p:nvSpPr>
-        <p:spPr>
-          <a:xfrm>
-            <a:off x="1766170" y="6319521"/>
-            <a:ext cx="5471160" cy="482953"/>
-          </a:xfrm>
-          <a:prstGeom prst="rect">
-            <a:avLst/>
-          </a:prstGeom>
-          <a:noFill/>
-        </p:spPr>
-        <p:txBody>
-          <a:bodyPr wrap="square" rtlCol="0">
-            <a:spAutoFit/>
-          </a:bodyPr>
-          <a:lstStyle/>
-          <a:p>
-            <a:pPr algn="ctr">
-              <a:lnSpc>
-                <a:spcPct val="150000"/>
-              </a:lnSpc>
-            </a:pPr>
-            <a:r>
-              <a:rPr lang="en-US" sz="900" b="1" dirty="0">
-                <a:latin typeface="Times New Roman" pitchFamily="18" charset="0"/>
-                <a:cs typeface="Times New Roman" pitchFamily="18" charset="0"/>
-              </a:rPr>
-              <a:t>International Conference on Smart Computing, Communication and Automation (ICSCCA), 2K25</a:t>
-            </a:r>
-          </a:p>
-          <a:p>
-            <a:pPr algn="ctr">
-              <a:lnSpc>
-                <a:spcPct val="150000"/>
-              </a:lnSpc>
-            </a:pPr>
-            <a:r>
-              <a:rPr lang="en-US" sz="900" b="1" dirty="0">
-                <a:latin typeface="Times New Roman" pitchFamily="18" charset="0"/>
-                <a:cs typeface="Times New Roman" pitchFamily="18" charset="0"/>
-              </a:rPr>
-              <a:t>Organized by , Budge Budge Institute of Technology,  </a:t>
-            </a:r>
-            <a:r>
-              <a:rPr lang="en-US" sz="900" b="1" dirty="0" err="1">
-                <a:latin typeface="Times New Roman" pitchFamily="18" charset="0"/>
-                <a:cs typeface="Times New Roman" pitchFamily="18" charset="0"/>
-              </a:rPr>
-              <a:t>Nischintapur</a:t>
-            </a:r>
-            <a:r>
-              <a:rPr lang="en-US" sz="900" b="1" dirty="0">
-                <a:latin typeface="Times New Roman" pitchFamily="18" charset="0"/>
-                <a:cs typeface="Times New Roman" pitchFamily="18" charset="0"/>
-              </a:rPr>
-              <a:t>, Budge Budge, India.</a:t>
-            </a:r>
-            <a:endParaRPr lang="en-US" sz="700" b="1" dirty="0">
-              <a:latin typeface="Times New Roman" pitchFamily="18" charset="0"/>
-              <a:cs typeface="Times New Roman" pitchFamily="18" charset="0"/>
-            </a:endParaRPr>
+      <p:sp>
+        <p:nvSpPr>
+          <p:cNvPr id="3" name="Footer Placeholder 2"/>
+          <p:cNvSpPr>
+            <a:spLocks noGrp="1"/>
+          </p:cNvSpPr>
+          <p:nvPr>
+            <p:ph type="ftr" sz="quarter" idx="11"/>
+          </p:nvPr>
+        </p:nvSpPr>
+        <p:spPr/>
+        <p:txBody>
+          <a:bodyPr/>
+          <a:lstStyle/>
+          <a:p>
+            <a:r>
+              <a:rPr lang="en-GB" smtClean="0"/>
+              <a:t>International Conference on Advances in Intelligent Computing and Communication Technology (AICCT), 2K25</a:t>
+            </a:r>
+            <a:endParaRPr lang="en-US"/>
           </a:p>
         </p:txBody>
       </p:sp>
@@ -9001,6 +7148,13 @@
   <p:clrMapOvr>
     <a:masterClrMapping/>
   </p:clrMapOvr>
+  <p:timing>
+    <p:tnLst>
+      <p:par>
+        <p:cTn id="1" dur="indefinite" restart="never" nodeType="tmRoot"/>
+      </p:par>
+    </p:tnLst>
+  </p:timing>
 </p:sld>
 </file>
 
